--- a/image/icon.pptx
+++ b/image/icon.pptx
@@ -6,6 +6,7 @@
   </p:sldMasterIdLst>
   <p:sldIdLst>
     <p:sldId id="256" r:id="rId2"/>
+    <p:sldId id="257" r:id="rId3"/>
   </p:sldIdLst>
   <p:sldSz cx="9144000" cy="6858000" type="screen4x3"/>
   <p:notesSz cx="6858000" cy="9144000"/>
@@ -288,7 +289,7 @@
           <a:p>
             <a:fld id="{5F435959-F0A5-4E74-91C9-3CA03D403E3A}" type="datetimeFigureOut">
               <a:rPr kumimoji="1" lang="ja-JP" altLang="en-US" smtClean="0"/>
-              <a:t>2015/8/3</a:t>
+              <a:t>2016/7/3</a:t>
             </a:fld>
             <a:endParaRPr kumimoji="1" lang="ja-JP" altLang="en-US"/>
           </a:p>
@@ -490,7 +491,7 @@
           <a:p>
             <a:fld id="{5F435959-F0A5-4E74-91C9-3CA03D403E3A}" type="datetimeFigureOut">
               <a:rPr kumimoji="1" lang="ja-JP" altLang="en-US" smtClean="0"/>
-              <a:t>2015/8/3</a:t>
+              <a:t>2016/7/3</a:t>
             </a:fld>
             <a:endParaRPr kumimoji="1" lang="ja-JP" altLang="en-US"/>
           </a:p>
@@ -702,7 +703,7 @@
           <a:p>
             <a:fld id="{5F435959-F0A5-4E74-91C9-3CA03D403E3A}" type="datetimeFigureOut">
               <a:rPr kumimoji="1" lang="ja-JP" altLang="en-US" smtClean="0"/>
-              <a:t>2015/8/3</a:t>
+              <a:t>2016/7/3</a:t>
             </a:fld>
             <a:endParaRPr kumimoji="1" lang="ja-JP" altLang="en-US"/>
           </a:p>
@@ -904,7 +905,7 @@
           <a:p>
             <a:fld id="{5F435959-F0A5-4E74-91C9-3CA03D403E3A}" type="datetimeFigureOut">
               <a:rPr kumimoji="1" lang="ja-JP" altLang="en-US" smtClean="0"/>
-              <a:t>2015/8/3</a:t>
+              <a:t>2016/7/3</a:t>
             </a:fld>
             <a:endParaRPr kumimoji="1" lang="ja-JP" altLang="en-US"/>
           </a:p>
@@ -1150,7 +1151,7 @@
           <a:p>
             <a:fld id="{5F435959-F0A5-4E74-91C9-3CA03D403E3A}" type="datetimeFigureOut">
               <a:rPr kumimoji="1" lang="ja-JP" altLang="en-US" smtClean="0"/>
-              <a:t>2015/8/3</a:t>
+              <a:t>2016/7/3</a:t>
             </a:fld>
             <a:endParaRPr kumimoji="1" lang="ja-JP" altLang="en-US"/>
           </a:p>
@@ -1502,7 +1503,7 @@
           <a:p>
             <a:fld id="{5F435959-F0A5-4E74-91C9-3CA03D403E3A}" type="datetimeFigureOut">
               <a:rPr kumimoji="1" lang="ja-JP" altLang="en-US" smtClean="0"/>
-              <a:t>2015/8/3</a:t>
+              <a:t>2016/7/3</a:t>
             </a:fld>
             <a:endParaRPr kumimoji="1" lang="ja-JP" altLang="en-US"/>
           </a:p>
@@ -1988,7 +1989,7 @@
           <a:p>
             <a:fld id="{5F435959-F0A5-4E74-91C9-3CA03D403E3A}" type="datetimeFigureOut">
               <a:rPr kumimoji="1" lang="ja-JP" altLang="en-US" smtClean="0"/>
-              <a:t>2015/8/3</a:t>
+              <a:t>2016/7/3</a:t>
             </a:fld>
             <a:endParaRPr kumimoji="1" lang="ja-JP" altLang="en-US"/>
           </a:p>
@@ -2106,7 +2107,7 @@
           <a:p>
             <a:fld id="{5F435959-F0A5-4E74-91C9-3CA03D403E3A}" type="datetimeFigureOut">
               <a:rPr kumimoji="1" lang="ja-JP" altLang="en-US" smtClean="0"/>
-              <a:t>2015/8/3</a:t>
+              <a:t>2016/7/3</a:t>
             </a:fld>
             <a:endParaRPr kumimoji="1" lang="ja-JP" altLang="en-US"/>
           </a:p>
@@ -2201,7 +2202,7 @@
           <a:p>
             <a:fld id="{5F435959-F0A5-4E74-91C9-3CA03D403E3A}" type="datetimeFigureOut">
               <a:rPr kumimoji="1" lang="ja-JP" altLang="en-US" smtClean="0"/>
-              <a:t>2015/8/3</a:t>
+              <a:t>2016/7/3</a:t>
             </a:fld>
             <a:endParaRPr kumimoji="1" lang="ja-JP" altLang="en-US"/>
           </a:p>
@@ -2510,7 +2511,7 @@
           <a:p>
             <a:fld id="{5F435959-F0A5-4E74-91C9-3CA03D403E3A}" type="datetimeFigureOut">
               <a:rPr kumimoji="1" lang="ja-JP" altLang="en-US" smtClean="0"/>
-              <a:t>2015/8/3</a:t>
+              <a:t>2016/7/3</a:t>
             </a:fld>
             <a:endParaRPr kumimoji="1" lang="ja-JP" altLang="en-US"/>
           </a:p>
@@ -2763,7 +2764,7 @@
           <a:p>
             <a:fld id="{5F435959-F0A5-4E74-91C9-3CA03D403E3A}" type="datetimeFigureOut">
               <a:rPr kumimoji="1" lang="ja-JP" altLang="en-US" smtClean="0"/>
-              <a:t>2015/8/3</a:t>
+              <a:t>2016/7/3</a:t>
             </a:fld>
             <a:endParaRPr kumimoji="1" lang="ja-JP" altLang="en-US"/>
           </a:p>
@@ -3008,7 +3009,7 @@
           <a:p>
             <a:fld id="{5F435959-F0A5-4E74-91C9-3CA03D403E3A}" type="datetimeFigureOut">
               <a:rPr kumimoji="1" lang="ja-JP" altLang="en-US" smtClean="0"/>
-              <a:t>2015/8/3</a:t>
+              <a:t>2016/7/3</a:t>
             </a:fld>
             <a:endParaRPr kumimoji="1" lang="ja-JP" altLang="en-US"/>
           </a:p>
@@ -3763,6 +3764,380 @@
     <p:extLst>
       <p:ext uri="{BB962C8B-B14F-4D97-AF65-F5344CB8AC3E}">
         <p14:creationId xmlns:p14="http://schemas.microsoft.com/office/powerpoint/2010/main" val="2780260242"/>
+      </p:ext>
+    </p:extLst>
+  </p:cSld>
+  <p:clrMapOvr>
+    <a:masterClrMapping/>
+  </p:clrMapOvr>
+</p:sld>
+</file>
+
+<file path=ppt/slides/slide2.xml><?xml version="1.0" encoding="utf-8"?>
+<p:sld xmlns:a="http://schemas.openxmlformats.org/drawingml/2006/main" xmlns:r="http://schemas.openxmlformats.org/officeDocument/2006/relationships" xmlns:p="http://schemas.openxmlformats.org/presentationml/2006/main">
+  <p:cSld>
+    <p:spTree>
+      <p:nvGrpSpPr>
+        <p:cNvPr id="1" name=""/>
+        <p:cNvGrpSpPr/>
+        <p:nvPr/>
+      </p:nvGrpSpPr>
+      <p:grpSpPr>
+        <a:xfrm>
+          <a:off x="0" y="0"/>
+          <a:ext cx="0" cy="0"/>
+          <a:chOff x="0" y="0"/>
+          <a:chExt cx="0" cy="0"/>
+        </a:xfrm>
+      </p:grpSpPr>
+      <p:sp>
+        <p:nvSpPr>
+          <p:cNvPr id="7" name="ドーナツ 6"/>
+          <p:cNvSpPr/>
+          <p:nvPr/>
+        </p:nvSpPr>
+        <p:spPr>
+          <a:xfrm>
+            <a:off x="3041830" y="518370"/>
+            <a:ext cx="828092" cy="923425"/>
+          </a:xfrm>
+          <a:prstGeom prst="donut">
+            <a:avLst>
+              <a:gd name="adj" fmla="val 12542"/>
+            </a:avLst>
+          </a:prstGeom>
+          <a:solidFill>
+            <a:schemeClr val="bg1">
+              <a:lumMod val="65000"/>
+            </a:schemeClr>
+          </a:solidFill>
+          <a:ln>
+            <a:solidFill>
+              <a:schemeClr val="tx1"/>
+            </a:solidFill>
+          </a:ln>
+          <a:scene3d>
+            <a:camera prst="orthographicFront"/>
+            <a:lightRig rig="threePt" dir="t"/>
+          </a:scene3d>
+          <a:sp3d>
+            <a:bevelT w="165100" prst="coolSlant"/>
+          </a:sp3d>
+        </p:spPr>
+        <p:style>
+          <a:lnRef idx="2">
+            <a:schemeClr val="accent1">
+              <a:shade val="50000"/>
+            </a:schemeClr>
+          </a:lnRef>
+          <a:fillRef idx="1">
+            <a:schemeClr val="accent1"/>
+          </a:fillRef>
+          <a:effectRef idx="0">
+            <a:schemeClr val="accent1"/>
+          </a:effectRef>
+          <a:fontRef idx="minor">
+            <a:schemeClr val="lt1"/>
+          </a:fontRef>
+        </p:style>
+        <p:txBody>
+          <a:bodyPr rtlCol="0" anchor="ctr"/>
+          <a:lstStyle/>
+          <a:p>
+            <a:pPr algn="ctr"/>
+            <a:endParaRPr kumimoji="1" lang="ja-JP" altLang="en-US">
+              <a:solidFill>
+                <a:schemeClr val="tx1"/>
+              </a:solidFill>
+            </a:endParaRPr>
+          </a:p>
+        </p:txBody>
+      </p:sp>
+      <p:sp>
+        <p:nvSpPr>
+          <p:cNvPr id="5" name="角丸四角形 4"/>
+          <p:cNvSpPr/>
+          <p:nvPr/>
+        </p:nvSpPr>
+        <p:spPr>
+          <a:xfrm>
+            <a:off x="3234645" y="1071686"/>
+            <a:ext cx="442462" cy="472427"/>
+          </a:xfrm>
+          <a:prstGeom prst="roundRect">
+            <a:avLst>
+              <a:gd name="adj" fmla="val 25940"/>
+            </a:avLst>
+          </a:prstGeom>
+          <a:solidFill>
+            <a:srgbClr val="FF0000"/>
+          </a:solidFill>
+          <a:ln>
+            <a:solidFill>
+              <a:schemeClr val="tx1"/>
+            </a:solidFill>
+          </a:ln>
+          <a:scene3d>
+            <a:camera prst="orthographicFront"/>
+            <a:lightRig rig="threePt" dir="t"/>
+          </a:scene3d>
+          <a:sp3d>
+            <a:bevelT w="165100" prst="coolSlant"/>
+          </a:sp3d>
+        </p:spPr>
+        <p:style>
+          <a:lnRef idx="2">
+            <a:schemeClr val="accent1">
+              <a:shade val="50000"/>
+            </a:schemeClr>
+          </a:lnRef>
+          <a:fillRef idx="1">
+            <a:schemeClr val="accent1"/>
+          </a:fillRef>
+          <a:effectRef idx="0">
+            <a:schemeClr val="accent1"/>
+          </a:effectRef>
+          <a:fontRef idx="minor">
+            <a:schemeClr val="lt1"/>
+          </a:fontRef>
+        </p:style>
+        <p:txBody>
+          <a:bodyPr rtlCol="0" anchor="ctr"/>
+          <a:lstStyle/>
+          <a:p>
+            <a:pPr algn="ctr"/>
+            <a:endParaRPr kumimoji="1" lang="ja-JP" altLang="en-US"/>
+          </a:p>
+        </p:txBody>
+      </p:sp>
+      <p:sp>
+        <p:nvSpPr>
+          <p:cNvPr id="8" name="角丸四角形 7"/>
+          <p:cNvSpPr/>
+          <p:nvPr/>
+        </p:nvSpPr>
+        <p:spPr>
+          <a:xfrm>
+            <a:off x="2764426" y="1745091"/>
+            <a:ext cx="1368152" cy="2105972"/>
+          </a:xfrm>
+          <a:prstGeom prst="roundRect">
+            <a:avLst/>
+          </a:prstGeom>
+          <a:solidFill>
+            <a:schemeClr val="tx1"/>
+          </a:solidFill>
+          <a:ln>
+            <a:solidFill>
+              <a:schemeClr val="tx1"/>
+            </a:solidFill>
+          </a:ln>
+        </p:spPr>
+        <p:style>
+          <a:lnRef idx="2">
+            <a:schemeClr val="accent1">
+              <a:shade val="50000"/>
+            </a:schemeClr>
+          </a:lnRef>
+          <a:fillRef idx="1">
+            <a:schemeClr val="accent1"/>
+          </a:fillRef>
+          <a:effectRef idx="0">
+            <a:schemeClr val="accent1"/>
+          </a:effectRef>
+          <a:fontRef idx="minor">
+            <a:schemeClr val="lt1"/>
+          </a:fontRef>
+        </p:style>
+        <p:txBody>
+          <a:bodyPr rtlCol="0" anchor="ctr"/>
+          <a:lstStyle/>
+          <a:p>
+            <a:pPr algn="ctr"/>
+            <a:endParaRPr kumimoji="1" lang="ja-JP" altLang="en-US"/>
+          </a:p>
+        </p:txBody>
+      </p:sp>
+      <p:sp>
+        <p:nvSpPr>
+          <p:cNvPr id="9" name="角丸四角形 8"/>
+          <p:cNvSpPr/>
+          <p:nvPr/>
+        </p:nvSpPr>
+        <p:spPr>
+          <a:xfrm>
+            <a:off x="2923190" y="1956054"/>
+            <a:ext cx="1065371" cy="1390953"/>
+          </a:xfrm>
+          <a:prstGeom prst="roundRect">
+            <a:avLst/>
+          </a:prstGeom>
+        </p:spPr>
+        <p:style>
+          <a:lnRef idx="2">
+            <a:schemeClr val="accent1">
+              <a:shade val="50000"/>
+            </a:schemeClr>
+          </a:lnRef>
+          <a:fillRef idx="1">
+            <a:schemeClr val="accent1"/>
+          </a:fillRef>
+          <a:effectRef idx="0">
+            <a:schemeClr val="accent1"/>
+          </a:effectRef>
+          <a:fontRef idx="minor">
+            <a:schemeClr val="lt1"/>
+          </a:fontRef>
+        </p:style>
+        <p:txBody>
+          <a:bodyPr rtlCol="0" anchor="ctr"/>
+          <a:lstStyle/>
+          <a:p>
+            <a:pPr algn="ctr"/>
+            <a:endParaRPr kumimoji="1" lang="ja-JP" altLang="en-US"/>
+          </a:p>
+        </p:txBody>
+      </p:sp>
+      <p:sp>
+        <p:nvSpPr>
+          <p:cNvPr id="10" name="角丸四角形 9"/>
+          <p:cNvSpPr/>
+          <p:nvPr/>
+        </p:nvSpPr>
+        <p:spPr>
+          <a:xfrm>
+            <a:off x="3304486" y="3514516"/>
+            <a:ext cx="288032" cy="143370"/>
+          </a:xfrm>
+          <a:prstGeom prst="roundRect">
+            <a:avLst/>
+          </a:prstGeom>
+          <a:solidFill>
+            <a:schemeClr val="tx1"/>
+          </a:solidFill>
+          <a:ln>
+            <a:solidFill>
+              <a:schemeClr val="bg1">
+                <a:lumMod val="85000"/>
+              </a:schemeClr>
+            </a:solidFill>
+          </a:ln>
+        </p:spPr>
+        <p:style>
+          <a:lnRef idx="2">
+            <a:schemeClr val="accent1">
+              <a:shade val="50000"/>
+            </a:schemeClr>
+          </a:lnRef>
+          <a:fillRef idx="1">
+            <a:schemeClr val="accent1"/>
+          </a:fillRef>
+          <a:effectRef idx="0">
+            <a:schemeClr val="accent1"/>
+          </a:effectRef>
+          <a:fontRef idx="minor">
+            <a:schemeClr val="lt1"/>
+          </a:fontRef>
+        </p:style>
+        <p:txBody>
+          <a:bodyPr rtlCol="0" anchor="ctr"/>
+          <a:lstStyle/>
+          <a:p>
+            <a:pPr algn="ctr"/>
+            <a:endParaRPr kumimoji="1" lang="ja-JP" altLang="en-US"/>
+          </a:p>
+        </p:txBody>
+      </p:sp>
+      <p:sp>
+        <p:nvSpPr>
+          <p:cNvPr id="2" name="稲妻 1"/>
+          <p:cNvSpPr/>
+          <p:nvPr/>
+        </p:nvSpPr>
+        <p:spPr>
+          <a:xfrm>
+            <a:off x="2253694" y="1544113"/>
+            <a:ext cx="1182925" cy="1107417"/>
+          </a:xfrm>
+          <a:prstGeom prst="lightningBolt">
+            <a:avLst/>
+          </a:prstGeom>
+          <a:solidFill>
+            <a:srgbClr val="FFFF00"/>
+          </a:solidFill>
+        </p:spPr>
+        <p:style>
+          <a:lnRef idx="2">
+            <a:schemeClr val="accent1">
+              <a:shade val="50000"/>
+            </a:schemeClr>
+          </a:lnRef>
+          <a:fillRef idx="1">
+            <a:schemeClr val="accent1"/>
+          </a:fillRef>
+          <a:effectRef idx="0">
+            <a:schemeClr val="accent1"/>
+          </a:effectRef>
+          <a:fontRef idx="minor">
+            <a:schemeClr val="lt1"/>
+          </a:fontRef>
+        </p:style>
+        <p:txBody>
+          <a:bodyPr rtlCol="0" anchor="ctr"/>
+          <a:lstStyle/>
+          <a:p>
+            <a:pPr algn="ctr"/>
+            <a:endParaRPr kumimoji="1" lang="ja-JP" altLang="en-US"/>
+          </a:p>
+        </p:txBody>
+      </p:sp>
+      <p:sp>
+        <p:nvSpPr>
+          <p:cNvPr id="11" name="稲妻 10"/>
+          <p:cNvSpPr/>
+          <p:nvPr/>
+        </p:nvSpPr>
+        <p:spPr>
+          <a:xfrm flipH="1">
+            <a:off x="3387045" y="1947817"/>
+            <a:ext cx="1400979" cy="1107417"/>
+          </a:xfrm>
+          <a:prstGeom prst="lightningBolt">
+            <a:avLst/>
+          </a:prstGeom>
+          <a:solidFill>
+            <a:srgbClr val="FFFF00"/>
+          </a:solidFill>
+        </p:spPr>
+        <p:style>
+          <a:lnRef idx="2">
+            <a:schemeClr val="accent1">
+              <a:shade val="50000"/>
+            </a:schemeClr>
+          </a:lnRef>
+          <a:fillRef idx="1">
+            <a:schemeClr val="accent1"/>
+          </a:fillRef>
+          <a:effectRef idx="0">
+            <a:schemeClr val="accent1"/>
+          </a:effectRef>
+          <a:fontRef idx="minor">
+            <a:schemeClr val="lt1"/>
+          </a:fontRef>
+        </p:style>
+        <p:txBody>
+          <a:bodyPr rtlCol="0" anchor="ctr"/>
+          <a:lstStyle/>
+          <a:p>
+            <a:pPr algn="ctr"/>
+            <a:endParaRPr kumimoji="1" lang="ja-JP" altLang="en-US"/>
+          </a:p>
+        </p:txBody>
+      </p:sp>
+    </p:spTree>
+    <p:extLst>
+      <p:ext uri="{BB962C8B-B14F-4D97-AF65-F5344CB8AC3E}">
+        <p14:creationId xmlns:p14="http://schemas.microsoft.com/office/powerpoint/2010/main" val="3216425977"/>
       </p:ext>
     </p:extLst>
   </p:cSld>

--- a/image/icon.pptx
+++ b/image/icon.pptx
@@ -7,6 +7,10 @@
   <p:sldIdLst>
     <p:sldId id="256" r:id="rId2"/>
     <p:sldId id="257" r:id="rId3"/>
+    <p:sldId id="258" r:id="rId4"/>
+    <p:sldId id="261" r:id="rId5"/>
+    <p:sldId id="259" r:id="rId6"/>
+    <p:sldId id="260" r:id="rId7"/>
   </p:sldIdLst>
   <p:sldSz cx="9144000" cy="6858000" type="screen4x3"/>
   <p:notesSz cx="6858000" cy="9144000"/>
@@ -289,7 +293,7 @@
           <a:p>
             <a:fld id="{5F435959-F0A5-4E74-91C9-3CA03D403E3A}" type="datetimeFigureOut">
               <a:rPr kumimoji="1" lang="ja-JP" altLang="en-US" smtClean="0"/>
-              <a:t>2016/7/3</a:t>
+              <a:t>2016/8/14</a:t>
             </a:fld>
             <a:endParaRPr kumimoji="1" lang="ja-JP" altLang="en-US"/>
           </a:p>
@@ -491,7 +495,7 @@
           <a:p>
             <a:fld id="{5F435959-F0A5-4E74-91C9-3CA03D403E3A}" type="datetimeFigureOut">
               <a:rPr kumimoji="1" lang="ja-JP" altLang="en-US" smtClean="0"/>
-              <a:t>2016/7/3</a:t>
+              <a:t>2016/8/14</a:t>
             </a:fld>
             <a:endParaRPr kumimoji="1" lang="ja-JP" altLang="en-US"/>
           </a:p>
@@ -703,7 +707,7 @@
           <a:p>
             <a:fld id="{5F435959-F0A5-4E74-91C9-3CA03D403E3A}" type="datetimeFigureOut">
               <a:rPr kumimoji="1" lang="ja-JP" altLang="en-US" smtClean="0"/>
-              <a:t>2016/7/3</a:t>
+              <a:t>2016/8/14</a:t>
             </a:fld>
             <a:endParaRPr kumimoji="1" lang="ja-JP" altLang="en-US"/>
           </a:p>
@@ -905,7 +909,7 @@
           <a:p>
             <a:fld id="{5F435959-F0A5-4E74-91C9-3CA03D403E3A}" type="datetimeFigureOut">
               <a:rPr kumimoji="1" lang="ja-JP" altLang="en-US" smtClean="0"/>
-              <a:t>2016/7/3</a:t>
+              <a:t>2016/8/14</a:t>
             </a:fld>
             <a:endParaRPr kumimoji="1" lang="ja-JP" altLang="en-US"/>
           </a:p>
@@ -1151,7 +1155,7 @@
           <a:p>
             <a:fld id="{5F435959-F0A5-4E74-91C9-3CA03D403E3A}" type="datetimeFigureOut">
               <a:rPr kumimoji="1" lang="ja-JP" altLang="en-US" smtClean="0"/>
-              <a:t>2016/7/3</a:t>
+              <a:t>2016/8/14</a:t>
             </a:fld>
             <a:endParaRPr kumimoji="1" lang="ja-JP" altLang="en-US"/>
           </a:p>
@@ -1503,7 +1507,7 @@
           <a:p>
             <a:fld id="{5F435959-F0A5-4E74-91C9-3CA03D403E3A}" type="datetimeFigureOut">
               <a:rPr kumimoji="1" lang="ja-JP" altLang="en-US" smtClean="0"/>
-              <a:t>2016/7/3</a:t>
+              <a:t>2016/8/14</a:t>
             </a:fld>
             <a:endParaRPr kumimoji="1" lang="ja-JP" altLang="en-US"/>
           </a:p>
@@ -1989,7 +1993,7 @@
           <a:p>
             <a:fld id="{5F435959-F0A5-4E74-91C9-3CA03D403E3A}" type="datetimeFigureOut">
               <a:rPr kumimoji="1" lang="ja-JP" altLang="en-US" smtClean="0"/>
-              <a:t>2016/7/3</a:t>
+              <a:t>2016/8/14</a:t>
             </a:fld>
             <a:endParaRPr kumimoji="1" lang="ja-JP" altLang="en-US"/>
           </a:p>
@@ -2107,7 +2111,7 @@
           <a:p>
             <a:fld id="{5F435959-F0A5-4E74-91C9-3CA03D403E3A}" type="datetimeFigureOut">
               <a:rPr kumimoji="1" lang="ja-JP" altLang="en-US" smtClean="0"/>
-              <a:t>2016/7/3</a:t>
+              <a:t>2016/8/14</a:t>
             </a:fld>
             <a:endParaRPr kumimoji="1" lang="ja-JP" altLang="en-US"/>
           </a:p>
@@ -2202,7 +2206,7 @@
           <a:p>
             <a:fld id="{5F435959-F0A5-4E74-91C9-3CA03D403E3A}" type="datetimeFigureOut">
               <a:rPr kumimoji="1" lang="ja-JP" altLang="en-US" smtClean="0"/>
-              <a:t>2016/7/3</a:t>
+              <a:t>2016/8/14</a:t>
             </a:fld>
             <a:endParaRPr kumimoji="1" lang="ja-JP" altLang="en-US"/>
           </a:p>
@@ -2511,7 +2515,7 @@
           <a:p>
             <a:fld id="{5F435959-F0A5-4E74-91C9-3CA03D403E3A}" type="datetimeFigureOut">
               <a:rPr kumimoji="1" lang="ja-JP" altLang="en-US" smtClean="0"/>
-              <a:t>2016/7/3</a:t>
+              <a:t>2016/8/14</a:t>
             </a:fld>
             <a:endParaRPr kumimoji="1" lang="ja-JP" altLang="en-US"/>
           </a:p>
@@ -2764,7 +2768,7 @@
           <a:p>
             <a:fld id="{5F435959-F0A5-4E74-91C9-3CA03D403E3A}" type="datetimeFigureOut">
               <a:rPr kumimoji="1" lang="ja-JP" altLang="en-US" smtClean="0"/>
-              <a:t>2016/7/3</a:t>
+              <a:t>2016/8/14</a:t>
             </a:fld>
             <a:endParaRPr kumimoji="1" lang="ja-JP" altLang="en-US"/>
           </a:p>
@@ -3009,7 +3013,7 @@
           <a:p>
             <a:fld id="{5F435959-F0A5-4E74-91C9-3CA03D403E3A}" type="datetimeFigureOut">
               <a:rPr kumimoji="1" lang="ja-JP" altLang="en-US" smtClean="0"/>
-              <a:t>2016/7/3</a:t>
+              <a:t>2016/8/14</a:t>
             </a:fld>
             <a:endParaRPr kumimoji="1" lang="ja-JP" altLang="en-US"/>
           </a:p>
@@ -4138,6 +4142,3092 @@
     <p:extLst>
       <p:ext uri="{BB962C8B-B14F-4D97-AF65-F5344CB8AC3E}">
         <p14:creationId xmlns:p14="http://schemas.microsoft.com/office/powerpoint/2010/main" val="3216425977"/>
+      </p:ext>
+    </p:extLst>
+  </p:cSld>
+  <p:clrMapOvr>
+    <a:masterClrMapping/>
+  </p:clrMapOvr>
+</p:sld>
+</file>
+
+<file path=ppt/slides/slide3.xml><?xml version="1.0" encoding="utf-8"?>
+<p:sld xmlns:a="http://schemas.openxmlformats.org/drawingml/2006/main" xmlns:r="http://schemas.openxmlformats.org/officeDocument/2006/relationships" xmlns:p="http://schemas.openxmlformats.org/presentationml/2006/main">
+  <p:cSld>
+    <p:spTree>
+      <p:nvGrpSpPr>
+        <p:cNvPr id="1" name=""/>
+        <p:cNvGrpSpPr/>
+        <p:nvPr/>
+      </p:nvGrpSpPr>
+      <p:grpSpPr>
+        <a:xfrm>
+          <a:off x="0" y="0"/>
+          <a:ext cx="0" cy="0"/>
+          <a:chOff x="0" y="0"/>
+          <a:chExt cx="0" cy="0"/>
+        </a:xfrm>
+      </p:grpSpPr>
+      <p:sp>
+        <p:nvSpPr>
+          <p:cNvPr id="7" name="ドーナツ 6"/>
+          <p:cNvSpPr/>
+          <p:nvPr/>
+        </p:nvSpPr>
+        <p:spPr>
+          <a:xfrm>
+            <a:off x="3041830" y="518370"/>
+            <a:ext cx="828092" cy="923425"/>
+          </a:xfrm>
+          <a:prstGeom prst="donut">
+            <a:avLst>
+              <a:gd name="adj" fmla="val 12542"/>
+            </a:avLst>
+          </a:prstGeom>
+          <a:solidFill>
+            <a:schemeClr val="bg1">
+              <a:lumMod val="65000"/>
+            </a:schemeClr>
+          </a:solidFill>
+          <a:ln>
+            <a:solidFill>
+              <a:schemeClr val="tx1"/>
+            </a:solidFill>
+          </a:ln>
+          <a:scene3d>
+            <a:camera prst="orthographicFront"/>
+            <a:lightRig rig="threePt" dir="t"/>
+          </a:scene3d>
+          <a:sp3d>
+            <a:bevelT w="165100" prst="coolSlant"/>
+          </a:sp3d>
+        </p:spPr>
+        <p:style>
+          <a:lnRef idx="2">
+            <a:schemeClr val="accent1">
+              <a:shade val="50000"/>
+            </a:schemeClr>
+          </a:lnRef>
+          <a:fillRef idx="1">
+            <a:schemeClr val="accent1"/>
+          </a:fillRef>
+          <a:effectRef idx="0">
+            <a:schemeClr val="accent1"/>
+          </a:effectRef>
+          <a:fontRef idx="minor">
+            <a:schemeClr val="lt1"/>
+          </a:fontRef>
+        </p:style>
+        <p:txBody>
+          <a:bodyPr rtlCol="0" anchor="ctr"/>
+          <a:lstStyle/>
+          <a:p>
+            <a:pPr algn="ctr"/>
+            <a:endParaRPr kumimoji="1" lang="ja-JP" altLang="en-US">
+              <a:solidFill>
+                <a:schemeClr val="tx1"/>
+              </a:solidFill>
+            </a:endParaRPr>
+          </a:p>
+        </p:txBody>
+      </p:sp>
+      <p:sp>
+        <p:nvSpPr>
+          <p:cNvPr id="5" name="角丸四角形 4"/>
+          <p:cNvSpPr/>
+          <p:nvPr/>
+        </p:nvSpPr>
+        <p:spPr>
+          <a:xfrm>
+            <a:off x="3234645" y="1071686"/>
+            <a:ext cx="442462" cy="472427"/>
+          </a:xfrm>
+          <a:prstGeom prst="roundRect">
+            <a:avLst>
+              <a:gd name="adj" fmla="val 25940"/>
+            </a:avLst>
+          </a:prstGeom>
+          <a:solidFill>
+            <a:srgbClr val="FF0000"/>
+          </a:solidFill>
+          <a:ln>
+            <a:solidFill>
+              <a:schemeClr val="tx1"/>
+            </a:solidFill>
+          </a:ln>
+          <a:scene3d>
+            <a:camera prst="orthographicFront"/>
+            <a:lightRig rig="threePt" dir="t"/>
+          </a:scene3d>
+          <a:sp3d>
+            <a:bevelT w="165100" prst="coolSlant"/>
+          </a:sp3d>
+        </p:spPr>
+        <p:style>
+          <a:lnRef idx="2">
+            <a:schemeClr val="accent1">
+              <a:shade val="50000"/>
+            </a:schemeClr>
+          </a:lnRef>
+          <a:fillRef idx="1">
+            <a:schemeClr val="accent1"/>
+          </a:fillRef>
+          <a:effectRef idx="0">
+            <a:schemeClr val="accent1"/>
+          </a:effectRef>
+          <a:fontRef idx="minor">
+            <a:schemeClr val="lt1"/>
+          </a:fontRef>
+        </p:style>
+        <p:txBody>
+          <a:bodyPr rtlCol="0" anchor="ctr"/>
+          <a:lstStyle/>
+          <a:p>
+            <a:pPr algn="ctr"/>
+            <a:endParaRPr kumimoji="1" lang="ja-JP" altLang="en-US"/>
+          </a:p>
+        </p:txBody>
+      </p:sp>
+      <p:sp>
+        <p:nvSpPr>
+          <p:cNvPr id="8" name="角丸四角形 7"/>
+          <p:cNvSpPr/>
+          <p:nvPr/>
+        </p:nvSpPr>
+        <p:spPr>
+          <a:xfrm>
+            <a:off x="2764426" y="1745091"/>
+            <a:ext cx="1368152" cy="2105972"/>
+          </a:xfrm>
+          <a:prstGeom prst="roundRect">
+            <a:avLst/>
+          </a:prstGeom>
+          <a:solidFill>
+            <a:schemeClr val="tx1"/>
+          </a:solidFill>
+          <a:ln>
+            <a:solidFill>
+              <a:schemeClr val="tx1"/>
+            </a:solidFill>
+          </a:ln>
+        </p:spPr>
+        <p:style>
+          <a:lnRef idx="2">
+            <a:schemeClr val="accent1">
+              <a:shade val="50000"/>
+            </a:schemeClr>
+          </a:lnRef>
+          <a:fillRef idx="1">
+            <a:schemeClr val="accent1"/>
+          </a:fillRef>
+          <a:effectRef idx="0">
+            <a:schemeClr val="accent1"/>
+          </a:effectRef>
+          <a:fontRef idx="minor">
+            <a:schemeClr val="lt1"/>
+          </a:fontRef>
+        </p:style>
+        <p:txBody>
+          <a:bodyPr rtlCol="0" anchor="ctr"/>
+          <a:lstStyle/>
+          <a:p>
+            <a:pPr algn="ctr"/>
+            <a:endParaRPr kumimoji="1" lang="ja-JP" altLang="en-US"/>
+          </a:p>
+        </p:txBody>
+      </p:sp>
+      <p:sp>
+        <p:nvSpPr>
+          <p:cNvPr id="9" name="角丸四角形 8"/>
+          <p:cNvSpPr/>
+          <p:nvPr/>
+        </p:nvSpPr>
+        <p:spPr>
+          <a:xfrm>
+            <a:off x="2923190" y="1956054"/>
+            <a:ext cx="1065371" cy="1390953"/>
+          </a:xfrm>
+          <a:prstGeom prst="roundRect">
+            <a:avLst/>
+          </a:prstGeom>
+        </p:spPr>
+        <p:style>
+          <a:lnRef idx="2">
+            <a:schemeClr val="accent1">
+              <a:shade val="50000"/>
+            </a:schemeClr>
+          </a:lnRef>
+          <a:fillRef idx="1">
+            <a:schemeClr val="accent1"/>
+          </a:fillRef>
+          <a:effectRef idx="0">
+            <a:schemeClr val="accent1"/>
+          </a:effectRef>
+          <a:fontRef idx="minor">
+            <a:schemeClr val="lt1"/>
+          </a:fontRef>
+        </p:style>
+        <p:txBody>
+          <a:bodyPr rtlCol="0" anchor="ctr"/>
+          <a:lstStyle/>
+          <a:p>
+            <a:pPr algn="ctr"/>
+            <a:endParaRPr kumimoji="1" lang="ja-JP" altLang="en-US"/>
+          </a:p>
+        </p:txBody>
+      </p:sp>
+      <p:sp>
+        <p:nvSpPr>
+          <p:cNvPr id="10" name="角丸四角形 9"/>
+          <p:cNvSpPr/>
+          <p:nvPr/>
+        </p:nvSpPr>
+        <p:spPr>
+          <a:xfrm>
+            <a:off x="3304486" y="3514516"/>
+            <a:ext cx="288032" cy="143370"/>
+          </a:xfrm>
+          <a:prstGeom prst="roundRect">
+            <a:avLst/>
+          </a:prstGeom>
+          <a:solidFill>
+            <a:schemeClr val="tx1"/>
+          </a:solidFill>
+          <a:ln>
+            <a:solidFill>
+              <a:schemeClr val="bg1">
+                <a:lumMod val="85000"/>
+              </a:schemeClr>
+            </a:solidFill>
+          </a:ln>
+        </p:spPr>
+        <p:style>
+          <a:lnRef idx="2">
+            <a:schemeClr val="accent1">
+              <a:shade val="50000"/>
+            </a:schemeClr>
+          </a:lnRef>
+          <a:fillRef idx="1">
+            <a:schemeClr val="accent1"/>
+          </a:fillRef>
+          <a:effectRef idx="0">
+            <a:schemeClr val="accent1"/>
+          </a:effectRef>
+          <a:fontRef idx="minor">
+            <a:schemeClr val="lt1"/>
+          </a:fontRef>
+        </p:style>
+        <p:txBody>
+          <a:bodyPr rtlCol="0" anchor="ctr"/>
+          <a:lstStyle/>
+          <a:p>
+            <a:pPr algn="ctr"/>
+            <a:endParaRPr kumimoji="1" lang="ja-JP" altLang="en-US"/>
+          </a:p>
+        </p:txBody>
+      </p:sp>
+      <p:cxnSp>
+        <p:nvCxnSpPr>
+          <p:cNvPr id="15" name="直線コネクタ 14"/>
+          <p:cNvCxnSpPr/>
+          <p:nvPr/>
+        </p:nvCxnSpPr>
+        <p:spPr>
+          <a:xfrm flipH="1">
+            <a:off x="2483769" y="1762699"/>
+            <a:ext cx="148207" cy="193355"/>
+          </a:xfrm>
+          <a:prstGeom prst="line">
+            <a:avLst/>
+          </a:prstGeom>
+          <a:ln w="57150">
+            <a:solidFill>
+              <a:srgbClr val="FF0000"/>
+            </a:solidFill>
+          </a:ln>
+        </p:spPr>
+        <p:style>
+          <a:lnRef idx="1">
+            <a:schemeClr val="accent1"/>
+          </a:lnRef>
+          <a:fillRef idx="0">
+            <a:schemeClr val="accent1"/>
+          </a:fillRef>
+          <a:effectRef idx="0">
+            <a:schemeClr val="accent1"/>
+          </a:effectRef>
+          <a:fontRef idx="minor">
+            <a:schemeClr val="tx1"/>
+          </a:fontRef>
+        </p:style>
+      </p:cxnSp>
+      <p:cxnSp>
+        <p:nvCxnSpPr>
+          <p:cNvPr id="16" name="直線コネクタ 15"/>
+          <p:cNvCxnSpPr/>
+          <p:nvPr/>
+        </p:nvCxnSpPr>
+        <p:spPr>
+          <a:xfrm flipH="1" flipV="1">
+            <a:off x="2483768" y="1956054"/>
+            <a:ext cx="148208" cy="176802"/>
+          </a:xfrm>
+          <a:prstGeom prst="line">
+            <a:avLst/>
+          </a:prstGeom>
+          <a:ln w="57150">
+            <a:solidFill>
+              <a:srgbClr val="FF0000"/>
+            </a:solidFill>
+          </a:ln>
+        </p:spPr>
+        <p:style>
+          <a:lnRef idx="1">
+            <a:schemeClr val="accent1"/>
+          </a:lnRef>
+          <a:fillRef idx="0">
+            <a:schemeClr val="accent1"/>
+          </a:fillRef>
+          <a:effectRef idx="0">
+            <a:schemeClr val="accent1"/>
+          </a:effectRef>
+          <a:fontRef idx="minor">
+            <a:schemeClr val="tx1"/>
+          </a:fontRef>
+        </p:style>
+      </p:cxnSp>
+      <p:cxnSp>
+        <p:nvCxnSpPr>
+          <p:cNvPr id="24" name="直線コネクタ 23"/>
+          <p:cNvCxnSpPr/>
+          <p:nvPr/>
+        </p:nvCxnSpPr>
+        <p:spPr>
+          <a:xfrm flipH="1">
+            <a:off x="2483769" y="2122739"/>
+            <a:ext cx="148207" cy="193355"/>
+          </a:xfrm>
+          <a:prstGeom prst="line">
+            <a:avLst/>
+          </a:prstGeom>
+          <a:ln w="57150">
+            <a:solidFill>
+              <a:srgbClr val="FF0000"/>
+            </a:solidFill>
+          </a:ln>
+        </p:spPr>
+        <p:style>
+          <a:lnRef idx="1">
+            <a:schemeClr val="accent1"/>
+          </a:lnRef>
+          <a:fillRef idx="0">
+            <a:schemeClr val="accent1"/>
+          </a:fillRef>
+          <a:effectRef idx="0">
+            <a:schemeClr val="accent1"/>
+          </a:effectRef>
+          <a:fontRef idx="minor">
+            <a:schemeClr val="tx1"/>
+          </a:fontRef>
+        </p:style>
+      </p:cxnSp>
+      <p:cxnSp>
+        <p:nvCxnSpPr>
+          <p:cNvPr id="25" name="直線コネクタ 24"/>
+          <p:cNvCxnSpPr/>
+          <p:nvPr/>
+        </p:nvCxnSpPr>
+        <p:spPr>
+          <a:xfrm flipH="1" flipV="1">
+            <a:off x="2483768" y="2316094"/>
+            <a:ext cx="148208" cy="176802"/>
+          </a:xfrm>
+          <a:prstGeom prst="line">
+            <a:avLst/>
+          </a:prstGeom>
+          <a:ln w="57150">
+            <a:solidFill>
+              <a:srgbClr val="FF0000"/>
+            </a:solidFill>
+          </a:ln>
+        </p:spPr>
+        <p:style>
+          <a:lnRef idx="1">
+            <a:schemeClr val="accent1"/>
+          </a:lnRef>
+          <a:fillRef idx="0">
+            <a:schemeClr val="accent1"/>
+          </a:fillRef>
+          <a:effectRef idx="0">
+            <a:schemeClr val="accent1"/>
+          </a:effectRef>
+          <a:fontRef idx="minor">
+            <a:schemeClr val="tx1"/>
+          </a:fontRef>
+        </p:style>
+      </p:cxnSp>
+      <p:cxnSp>
+        <p:nvCxnSpPr>
+          <p:cNvPr id="26" name="直線コネクタ 25"/>
+          <p:cNvCxnSpPr/>
+          <p:nvPr/>
+        </p:nvCxnSpPr>
+        <p:spPr>
+          <a:xfrm flipH="1">
+            <a:off x="2483769" y="2420888"/>
+            <a:ext cx="148207" cy="193355"/>
+          </a:xfrm>
+          <a:prstGeom prst="line">
+            <a:avLst/>
+          </a:prstGeom>
+          <a:ln w="57150">
+            <a:solidFill>
+              <a:srgbClr val="FF0000"/>
+            </a:solidFill>
+          </a:ln>
+        </p:spPr>
+        <p:style>
+          <a:lnRef idx="1">
+            <a:schemeClr val="accent1"/>
+          </a:lnRef>
+          <a:fillRef idx="0">
+            <a:schemeClr val="accent1"/>
+          </a:fillRef>
+          <a:effectRef idx="0">
+            <a:schemeClr val="accent1"/>
+          </a:effectRef>
+          <a:fontRef idx="minor">
+            <a:schemeClr val="tx1"/>
+          </a:fontRef>
+        </p:style>
+      </p:cxnSp>
+      <p:cxnSp>
+        <p:nvCxnSpPr>
+          <p:cNvPr id="27" name="直線コネクタ 26"/>
+          <p:cNvCxnSpPr/>
+          <p:nvPr/>
+        </p:nvCxnSpPr>
+        <p:spPr>
+          <a:xfrm flipH="1" flipV="1">
+            <a:off x="2483768" y="2614243"/>
+            <a:ext cx="148208" cy="176802"/>
+          </a:xfrm>
+          <a:prstGeom prst="line">
+            <a:avLst/>
+          </a:prstGeom>
+          <a:ln w="57150">
+            <a:solidFill>
+              <a:srgbClr val="FF0000"/>
+            </a:solidFill>
+          </a:ln>
+        </p:spPr>
+        <p:style>
+          <a:lnRef idx="1">
+            <a:schemeClr val="accent1"/>
+          </a:lnRef>
+          <a:fillRef idx="0">
+            <a:schemeClr val="accent1"/>
+          </a:fillRef>
+          <a:effectRef idx="0">
+            <a:schemeClr val="accent1"/>
+          </a:effectRef>
+          <a:fontRef idx="minor">
+            <a:schemeClr val="tx1"/>
+          </a:fontRef>
+        </p:style>
+      </p:cxnSp>
+      <p:cxnSp>
+        <p:nvCxnSpPr>
+          <p:cNvPr id="28" name="直線コネクタ 27"/>
+          <p:cNvCxnSpPr/>
+          <p:nvPr/>
+        </p:nvCxnSpPr>
+        <p:spPr>
+          <a:xfrm flipH="1">
+            <a:off x="2479577" y="2770811"/>
+            <a:ext cx="148207" cy="193355"/>
+          </a:xfrm>
+          <a:prstGeom prst="line">
+            <a:avLst/>
+          </a:prstGeom>
+          <a:ln w="57150">
+            <a:solidFill>
+              <a:srgbClr val="FF0000"/>
+            </a:solidFill>
+          </a:ln>
+        </p:spPr>
+        <p:style>
+          <a:lnRef idx="1">
+            <a:schemeClr val="accent1"/>
+          </a:lnRef>
+          <a:fillRef idx="0">
+            <a:schemeClr val="accent1"/>
+          </a:fillRef>
+          <a:effectRef idx="0">
+            <a:schemeClr val="accent1"/>
+          </a:effectRef>
+          <a:fontRef idx="minor">
+            <a:schemeClr val="tx1"/>
+          </a:fontRef>
+        </p:style>
+      </p:cxnSp>
+      <p:cxnSp>
+        <p:nvCxnSpPr>
+          <p:cNvPr id="29" name="直線コネクタ 28"/>
+          <p:cNvCxnSpPr/>
+          <p:nvPr/>
+        </p:nvCxnSpPr>
+        <p:spPr>
+          <a:xfrm flipH="1" flipV="1">
+            <a:off x="2479576" y="2964166"/>
+            <a:ext cx="148208" cy="176802"/>
+          </a:xfrm>
+          <a:prstGeom prst="line">
+            <a:avLst/>
+          </a:prstGeom>
+          <a:ln w="57150">
+            <a:solidFill>
+              <a:srgbClr val="FF0000"/>
+            </a:solidFill>
+          </a:ln>
+        </p:spPr>
+        <p:style>
+          <a:lnRef idx="1">
+            <a:schemeClr val="accent1"/>
+          </a:lnRef>
+          <a:fillRef idx="0">
+            <a:schemeClr val="accent1"/>
+          </a:fillRef>
+          <a:effectRef idx="0">
+            <a:schemeClr val="accent1"/>
+          </a:effectRef>
+          <a:fontRef idx="minor">
+            <a:schemeClr val="tx1"/>
+          </a:fontRef>
+        </p:style>
+      </p:cxnSp>
+      <p:cxnSp>
+        <p:nvCxnSpPr>
+          <p:cNvPr id="30" name="直線コネクタ 29"/>
+          <p:cNvCxnSpPr/>
+          <p:nvPr/>
+        </p:nvCxnSpPr>
+        <p:spPr>
+          <a:xfrm flipH="1">
+            <a:off x="2483769" y="3058843"/>
+            <a:ext cx="148207" cy="193355"/>
+          </a:xfrm>
+          <a:prstGeom prst="line">
+            <a:avLst/>
+          </a:prstGeom>
+          <a:ln w="57150">
+            <a:solidFill>
+              <a:srgbClr val="FF0000"/>
+            </a:solidFill>
+          </a:ln>
+        </p:spPr>
+        <p:style>
+          <a:lnRef idx="1">
+            <a:schemeClr val="accent1"/>
+          </a:lnRef>
+          <a:fillRef idx="0">
+            <a:schemeClr val="accent1"/>
+          </a:fillRef>
+          <a:effectRef idx="0">
+            <a:schemeClr val="accent1"/>
+          </a:effectRef>
+          <a:fontRef idx="minor">
+            <a:schemeClr val="tx1"/>
+          </a:fontRef>
+        </p:style>
+      </p:cxnSp>
+      <p:cxnSp>
+        <p:nvCxnSpPr>
+          <p:cNvPr id="31" name="直線コネクタ 30"/>
+          <p:cNvCxnSpPr/>
+          <p:nvPr/>
+        </p:nvCxnSpPr>
+        <p:spPr>
+          <a:xfrm flipH="1" flipV="1">
+            <a:off x="2483768" y="3252198"/>
+            <a:ext cx="148208" cy="176802"/>
+          </a:xfrm>
+          <a:prstGeom prst="line">
+            <a:avLst/>
+          </a:prstGeom>
+          <a:ln w="57150">
+            <a:solidFill>
+              <a:srgbClr val="FF0000"/>
+            </a:solidFill>
+          </a:ln>
+        </p:spPr>
+        <p:style>
+          <a:lnRef idx="1">
+            <a:schemeClr val="accent1"/>
+          </a:lnRef>
+          <a:fillRef idx="0">
+            <a:schemeClr val="accent1"/>
+          </a:fillRef>
+          <a:effectRef idx="0">
+            <a:schemeClr val="accent1"/>
+          </a:effectRef>
+          <a:fontRef idx="minor">
+            <a:schemeClr val="tx1"/>
+          </a:fontRef>
+        </p:style>
+      </p:cxnSp>
+      <p:cxnSp>
+        <p:nvCxnSpPr>
+          <p:cNvPr id="32" name="直線コネクタ 31"/>
+          <p:cNvCxnSpPr/>
+          <p:nvPr/>
+        </p:nvCxnSpPr>
+        <p:spPr>
+          <a:xfrm flipH="1">
+            <a:off x="2483769" y="3346875"/>
+            <a:ext cx="148207" cy="193355"/>
+          </a:xfrm>
+          <a:prstGeom prst="line">
+            <a:avLst/>
+          </a:prstGeom>
+          <a:ln w="57150">
+            <a:solidFill>
+              <a:srgbClr val="FF0000"/>
+            </a:solidFill>
+          </a:ln>
+        </p:spPr>
+        <p:style>
+          <a:lnRef idx="1">
+            <a:schemeClr val="accent1"/>
+          </a:lnRef>
+          <a:fillRef idx="0">
+            <a:schemeClr val="accent1"/>
+          </a:fillRef>
+          <a:effectRef idx="0">
+            <a:schemeClr val="accent1"/>
+          </a:effectRef>
+          <a:fontRef idx="minor">
+            <a:schemeClr val="tx1"/>
+          </a:fontRef>
+        </p:style>
+      </p:cxnSp>
+      <p:cxnSp>
+        <p:nvCxnSpPr>
+          <p:cNvPr id="33" name="直線コネクタ 32"/>
+          <p:cNvCxnSpPr/>
+          <p:nvPr/>
+        </p:nvCxnSpPr>
+        <p:spPr>
+          <a:xfrm flipH="1" flipV="1">
+            <a:off x="2483768" y="3540230"/>
+            <a:ext cx="148208" cy="176802"/>
+          </a:xfrm>
+          <a:prstGeom prst="line">
+            <a:avLst/>
+          </a:prstGeom>
+          <a:ln w="57150">
+            <a:solidFill>
+              <a:srgbClr val="FF0000"/>
+            </a:solidFill>
+          </a:ln>
+        </p:spPr>
+        <p:style>
+          <a:lnRef idx="1">
+            <a:schemeClr val="accent1"/>
+          </a:lnRef>
+          <a:fillRef idx="0">
+            <a:schemeClr val="accent1"/>
+          </a:fillRef>
+          <a:effectRef idx="0">
+            <a:schemeClr val="accent1"/>
+          </a:effectRef>
+          <a:fontRef idx="minor">
+            <a:schemeClr val="tx1"/>
+          </a:fontRef>
+        </p:style>
+      </p:cxnSp>
+      <p:cxnSp>
+        <p:nvCxnSpPr>
+          <p:cNvPr id="34" name="直線コネクタ 33"/>
+          <p:cNvCxnSpPr/>
+          <p:nvPr/>
+        </p:nvCxnSpPr>
+        <p:spPr>
+          <a:xfrm flipH="1">
+            <a:off x="4216153" y="1772816"/>
+            <a:ext cx="148207" cy="193355"/>
+          </a:xfrm>
+          <a:prstGeom prst="line">
+            <a:avLst/>
+          </a:prstGeom>
+          <a:ln w="57150">
+            <a:solidFill>
+              <a:srgbClr val="FF0000"/>
+            </a:solidFill>
+          </a:ln>
+        </p:spPr>
+        <p:style>
+          <a:lnRef idx="1">
+            <a:schemeClr val="accent1"/>
+          </a:lnRef>
+          <a:fillRef idx="0">
+            <a:schemeClr val="accent1"/>
+          </a:fillRef>
+          <a:effectRef idx="0">
+            <a:schemeClr val="accent1"/>
+          </a:effectRef>
+          <a:fontRef idx="minor">
+            <a:schemeClr val="tx1"/>
+          </a:fontRef>
+        </p:style>
+      </p:cxnSp>
+      <p:cxnSp>
+        <p:nvCxnSpPr>
+          <p:cNvPr id="35" name="直線コネクタ 34"/>
+          <p:cNvCxnSpPr/>
+          <p:nvPr/>
+        </p:nvCxnSpPr>
+        <p:spPr>
+          <a:xfrm flipH="1" flipV="1">
+            <a:off x="4216152" y="1966171"/>
+            <a:ext cx="148208" cy="176802"/>
+          </a:xfrm>
+          <a:prstGeom prst="line">
+            <a:avLst/>
+          </a:prstGeom>
+          <a:ln w="57150">
+            <a:solidFill>
+              <a:srgbClr val="FF0000"/>
+            </a:solidFill>
+          </a:ln>
+        </p:spPr>
+        <p:style>
+          <a:lnRef idx="1">
+            <a:schemeClr val="accent1"/>
+          </a:lnRef>
+          <a:fillRef idx="0">
+            <a:schemeClr val="accent1"/>
+          </a:fillRef>
+          <a:effectRef idx="0">
+            <a:schemeClr val="accent1"/>
+          </a:effectRef>
+          <a:fontRef idx="minor">
+            <a:schemeClr val="tx1"/>
+          </a:fontRef>
+        </p:style>
+      </p:cxnSp>
+      <p:cxnSp>
+        <p:nvCxnSpPr>
+          <p:cNvPr id="36" name="直線コネクタ 35"/>
+          <p:cNvCxnSpPr/>
+          <p:nvPr/>
+        </p:nvCxnSpPr>
+        <p:spPr>
+          <a:xfrm flipH="1">
+            <a:off x="4216153" y="2132856"/>
+            <a:ext cx="148207" cy="193355"/>
+          </a:xfrm>
+          <a:prstGeom prst="line">
+            <a:avLst/>
+          </a:prstGeom>
+          <a:ln w="57150">
+            <a:solidFill>
+              <a:srgbClr val="FF0000"/>
+            </a:solidFill>
+          </a:ln>
+        </p:spPr>
+        <p:style>
+          <a:lnRef idx="1">
+            <a:schemeClr val="accent1"/>
+          </a:lnRef>
+          <a:fillRef idx="0">
+            <a:schemeClr val="accent1"/>
+          </a:fillRef>
+          <a:effectRef idx="0">
+            <a:schemeClr val="accent1"/>
+          </a:effectRef>
+          <a:fontRef idx="minor">
+            <a:schemeClr val="tx1"/>
+          </a:fontRef>
+        </p:style>
+      </p:cxnSp>
+      <p:cxnSp>
+        <p:nvCxnSpPr>
+          <p:cNvPr id="37" name="直線コネクタ 36"/>
+          <p:cNvCxnSpPr/>
+          <p:nvPr/>
+        </p:nvCxnSpPr>
+        <p:spPr>
+          <a:xfrm flipH="1" flipV="1">
+            <a:off x="4216152" y="2326211"/>
+            <a:ext cx="148208" cy="176802"/>
+          </a:xfrm>
+          <a:prstGeom prst="line">
+            <a:avLst/>
+          </a:prstGeom>
+          <a:ln w="57150">
+            <a:solidFill>
+              <a:srgbClr val="FF0000"/>
+            </a:solidFill>
+          </a:ln>
+        </p:spPr>
+        <p:style>
+          <a:lnRef idx="1">
+            <a:schemeClr val="accent1"/>
+          </a:lnRef>
+          <a:fillRef idx="0">
+            <a:schemeClr val="accent1"/>
+          </a:fillRef>
+          <a:effectRef idx="0">
+            <a:schemeClr val="accent1"/>
+          </a:effectRef>
+          <a:fontRef idx="minor">
+            <a:schemeClr val="tx1"/>
+          </a:fontRef>
+        </p:style>
+      </p:cxnSp>
+      <p:cxnSp>
+        <p:nvCxnSpPr>
+          <p:cNvPr id="38" name="直線コネクタ 37"/>
+          <p:cNvCxnSpPr/>
+          <p:nvPr/>
+        </p:nvCxnSpPr>
+        <p:spPr>
+          <a:xfrm flipH="1">
+            <a:off x="4216153" y="2431005"/>
+            <a:ext cx="148207" cy="193355"/>
+          </a:xfrm>
+          <a:prstGeom prst="line">
+            <a:avLst/>
+          </a:prstGeom>
+          <a:ln w="57150">
+            <a:solidFill>
+              <a:srgbClr val="FF0000"/>
+            </a:solidFill>
+          </a:ln>
+        </p:spPr>
+        <p:style>
+          <a:lnRef idx="1">
+            <a:schemeClr val="accent1"/>
+          </a:lnRef>
+          <a:fillRef idx="0">
+            <a:schemeClr val="accent1"/>
+          </a:fillRef>
+          <a:effectRef idx="0">
+            <a:schemeClr val="accent1"/>
+          </a:effectRef>
+          <a:fontRef idx="minor">
+            <a:schemeClr val="tx1"/>
+          </a:fontRef>
+        </p:style>
+      </p:cxnSp>
+      <p:cxnSp>
+        <p:nvCxnSpPr>
+          <p:cNvPr id="39" name="直線コネクタ 38"/>
+          <p:cNvCxnSpPr/>
+          <p:nvPr/>
+        </p:nvCxnSpPr>
+        <p:spPr>
+          <a:xfrm flipH="1" flipV="1">
+            <a:off x="4216152" y="2624360"/>
+            <a:ext cx="148208" cy="176802"/>
+          </a:xfrm>
+          <a:prstGeom prst="line">
+            <a:avLst/>
+          </a:prstGeom>
+          <a:ln w="57150">
+            <a:solidFill>
+              <a:srgbClr val="FF0000"/>
+            </a:solidFill>
+          </a:ln>
+        </p:spPr>
+        <p:style>
+          <a:lnRef idx="1">
+            <a:schemeClr val="accent1"/>
+          </a:lnRef>
+          <a:fillRef idx="0">
+            <a:schemeClr val="accent1"/>
+          </a:fillRef>
+          <a:effectRef idx="0">
+            <a:schemeClr val="accent1"/>
+          </a:effectRef>
+          <a:fontRef idx="minor">
+            <a:schemeClr val="tx1"/>
+          </a:fontRef>
+        </p:style>
+      </p:cxnSp>
+      <p:cxnSp>
+        <p:nvCxnSpPr>
+          <p:cNvPr id="40" name="直線コネクタ 39"/>
+          <p:cNvCxnSpPr/>
+          <p:nvPr/>
+        </p:nvCxnSpPr>
+        <p:spPr>
+          <a:xfrm flipH="1">
+            <a:off x="4211961" y="2780928"/>
+            <a:ext cx="148207" cy="193355"/>
+          </a:xfrm>
+          <a:prstGeom prst="line">
+            <a:avLst/>
+          </a:prstGeom>
+          <a:ln w="57150">
+            <a:solidFill>
+              <a:srgbClr val="FF0000"/>
+            </a:solidFill>
+          </a:ln>
+        </p:spPr>
+        <p:style>
+          <a:lnRef idx="1">
+            <a:schemeClr val="accent1"/>
+          </a:lnRef>
+          <a:fillRef idx="0">
+            <a:schemeClr val="accent1"/>
+          </a:fillRef>
+          <a:effectRef idx="0">
+            <a:schemeClr val="accent1"/>
+          </a:effectRef>
+          <a:fontRef idx="minor">
+            <a:schemeClr val="tx1"/>
+          </a:fontRef>
+        </p:style>
+      </p:cxnSp>
+      <p:cxnSp>
+        <p:nvCxnSpPr>
+          <p:cNvPr id="41" name="直線コネクタ 40"/>
+          <p:cNvCxnSpPr/>
+          <p:nvPr/>
+        </p:nvCxnSpPr>
+        <p:spPr>
+          <a:xfrm flipH="1" flipV="1">
+            <a:off x="4211960" y="2974283"/>
+            <a:ext cx="148208" cy="176802"/>
+          </a:xfrm>
+          <a:prstGeom prst="line">
+            <a:avLst/>
+          </a:prstGeom>
+          <a:ln w="57150">
+            <a:solidFill>
+              <a:srgbClr val="FF0000"/>
+            </a:solidFill>
+          </a:ln>
+        </p:spPr>
+        <p:style>
+          <a:lnRef idx="1">
+            <a:schemeClr val="accent1"/>
+          </a:lnRef>
+          <a:fillRef idx="0">
+            <a:schemeClr val="accent1"/>
+          </a:fillRef>
+          <a:effectRef idx="0">
+            <a:schemeClr val="accent1"/>
+          </a:effectRef>
+          <a:fontRef idx="minor">
+            <a:schemeClr val="tx1"/>
+          </a:fontRef>
+        </p:style>
+      </p:cxnSp>
+      <p:cxnSp>
+        <p:nvCxnSpPr>
+          <p:cNvPr id="42" name="直線コネクタ 41"/>
+          <p:cNvCxnSpPr/>
+          <p:nvPr/>
+        </p:nvCxnSpPr>
+        <p:spPr>
+          <a:xfrm flipH="1">
+            <a:off x="4216153" y="3068960"/>
+            <a:ext cx="148207" cy="193355"/>
+          </a:xfrm>
+          <a:prstGeom prst="line">
+            <a:avLst/>
+          </a:prstGeom>
+          <a:ln w="57150">
+            <a:solidFill>
+              <a:srgbClr val="FF0000"/>
+            </a:solidFill>
+          </a:ln>
+        </p:spPr>
+        <p:style>
+          <a:lnRef idx="1">
+            <a:schemeClr val="accent1"/>
+          </a:lnRef>
+          <a:fillRef idx="0">
+            <a:schemeClr val="accent1"/>
+          </a:fillRef>
+          <a:effectRef idx="0">
+            <a:schemeClr val="accent1"/>
+          </a:effectRef>
+          <a:fontRef idx="minor">
+            <a:schemeClr val="tx1"/>
+          </a:fontRef>
+        </p:style>
+      </p:cxnSp>
+      <p:cxnSp>
+        <p:nvCxnSpPr>
+          <p:cNvPr id="43" name="直線コネクタ 42"/>
+          <p:cNvCxnSpPr/>
+          <p:nvPr/>
+        </p:nvCxnSpPr>
+        <p:spPr>
+          <a:xfrm flipH="1" flipV="1">
+            <a:off x="4216152" y="3262315"/>
+            <a:ext cx="148208" cy="176802"/>
+          </a:xfrm>
+          <a:prstGeom prst="line">
+            <a:avLst/>
+          </a:prstGeom>
+          <a:ln w="57150">
+            <a:solidFill>
+              <a:srgbClr val="FF0000"/>
+            </a:solidFill>
+          </a:ln>
+        </p:spPr>
+        <p:style>
+          <a:lnRef idx="1">
+            <a:schemeClr val="accent1"/>
+          </a:lnRef>
+          <a:fillRef idx="0">
+            <a:schemeClr val="accent1"/>
+          </a:fillRef>
+          <a:effectRef idx="0">
+            <a:schemeClr val="accent1"/>
+          </a:effectRef>
+          <a:fontRef idx="minor">
+            <a:schemeClr val="tx1"/>
+          </a:fontRef>
+        </p:style>
+      </p:cxnSp>
+      <p:cxnSp>
+        <p:nvCxnSpPr>
+          <p:cNvPr id="44" name="直線コネクタ 43"/>
+          <p:cNvCxnSpPr/>
+          <p:nvPr/>
+        </p:nvCxnSpPr>
+        <p:spPr>
+          <a:xfrm flipH="1">
+            <a:off x="4216153" y="3356992"/>
+            <a:ext cx="148207" cy="193355"/>
+          </a:xfrm>
+          <a:prstGeom prst="line">
+            <a:avLst/>
+          </a:prstGeom>
+          <a:ln w="57150">
+            <a:solidFill>
+              <a:srgbClr val="FF0000"/>
+            </a:solidFill>
+          </a:ln>
+        </p:spPr>
+        <p:style>
+          <a:lnRef idx="1">
+            <a:schemeClr val="accent1"/>
+          </a:lnRef>
+          <a:fillRef idx="0">
+            <a:schemeClr val="accent1"/>
+          </a:fillRef>
+          <a:effectRef idx="0">
+            <a:schemeClr val="accent1"/>
+          </a:effectRef>
+          <a:fontRef idx="minor">
+            <a:schemeClr val="tx1"/>
+          </a:fontRef>
+        </p:style>
+      </p:cxnSp>
+      <p:cxnSp>
+        <p:nvCxnSpPr>
+          <p:cNvPr id="45" name="直線コネクタ 44"/>
+          <p:cNvCxnSpPr/>
+          <p:nvPr/>
+        </p:nvCxnSpPr>
+        <p:spPr>
+          <a:xfrm flipH="1" flipV="1">
+            <a:off x="4216152" y="3550347"/>
+            <a:ext cx="148208" cy="176802"/>
+          </a:xfrm>
+          <a:prstGeom prst="line">
+            <a:avLst/>
+          </a:prstGeom>
+          <a:ln w="57150">
+            <a:solidFill>
+              <a:srgbClr val="FF0000"/>
+            </a:solidFill>
+          </a:ln>
+        </p:spPr>
+        <p:style>
+          <a:lnRef idx="1">
+            <a:schemeClr val="accent1"/>
+          </a:lnRef>
+          <a:fillRef idx="0">
+            <a:schemeClr val="accent1"/>
+          </a:fillRef>
+          <a:effectRef idx="0">
+            <a:schemeClr val="accent1"/>
+          </a:effectRef>
+          <a:fontRef idx="minor">
+            <a:schemeClr val="tx1"/>
+          </a:fontRef>
+        </p:style>
+      </p:cxnSp>
+    </p:spTree>
+    <p:extLst>
+      <p:ext uri="{BB962C8B-B14F-4D97-AF65-F5344CB8AC3E}">
+        <p14:creationId xmlns:p14="http://schemas.microsoft.com/office/powerpoint/2010/main" val="662012960"/>
+      </p:ext>
+    </p:extLst>
+  </p:cSld>
+  <p:clrMapOvr>
+    <a:masterClrMapping/>
+  </p:clrMapOvr>
+</p:sld>
+</file>
+
+<file path=ppt/slides/slide4.xml><?xml version="1.0" encoding="utf-8"?>
+<p:sld xmlns:a="http://schemas.openxmlformats.org/drawingml/2006/main" xmlns:r="http://schemas.openxmlformats.org/officeDocument/2006/relationships" xmlns:p="http://schemas.openxmlformats.org/presentationml/2006/main">
+  <p:cSld>
+    <p:spTree>
+      <p:nvGrpSpPr>
+        <p:cNvPr id="1" name=""/>
+        <p:cNvGrpSpPr/>
+        <p:nvPr/>
+      </p:nvGrpSpPr>
+      <p:grpSpPr>
+        <a:xfrm>
+          <a:off x="0" y="0"/>
+          <a:ext cx="0" cy="0"/>
+          <a:chOff x="0" y="0"/>
+          <a:chExt cx="0" cy="0"/>
+        </a:xfrm>
+      </p:grpSpPr>
+      <p:sp>
+        <p:nvSpPr>
+          <p:cNvPr id="7" name="ドーナツ 6"/>
+          <p:cNvSpPr/>
+          <p:nvPr/>
+        </p:nvSpPr>
+        <p:spPr>
+          <a:xfrm>
+            <a:off x="3041830" y="518370"/>
+            <a:ext cx="828092" cy="923425"/>
+          </a:xfrm>
+          <a:prstGeom prst="donut">
+            <a:avLst>
+              <a:gd name="adj" fmla="val 12542"/>
+            </a:avLst>
+          </a:prstGeom>
+          <a:solidFill>
+            <a:schemeClr val="bg1">
+              <a:lumMod val="65000"/>
+            </a:schemeClr>
+          </a:solidFill>
+          <a:ln>
+            <a:solidFill>
+              <a:schemeClr val="tx1"/>
+            </a:solidFill>
+          </a:ln>
+          <a:scene3d>
+            <a:camera prst="orthographicFront"/>
+            <a:lightRig rig="threePt" dir="t"/>
+          </a:scene3d>
+          <a:sp3d>
+            <a:bevelT w="165100" prst="coolSlant"/>
+          </a:sp3d>
+        </p:spPr>
+        <p:style>
+          <a:lnRef idx="2">
+            <a:schemeClr val="accent1">
+              <a:shade val="50000"/>
+            </a:schemeClr>
+          </a:lnRef>
+          <a:fillRef idx="1">
+            <a:schemeClr val="accent1"/>
+          </a:fillRef>
+          <a:effectRef idx="0">
+            <a:schemeClr val="accent1"/>
+          </a:effectRef>
+          <a:fontRef idx="minor">
+            <a:schemeClr val="lt1"/>
+          </a:fontRef>
+        </p:style>
+        <p:txBody>
+          <a:bodyPr rtlCol="0" anchor="ctr"/>
+          <a:lstStyle/>
+          <a:p>
+            <a:pPr algn="ctr"/>
+            <a:endParaRPr kumimoji="1" lang="ja-JP" altLang="en-US">
+              <a:solidFill>
+                <a:schemeClr val="tx1"/>
+              </a:solidFill>
+            </a:endParaRPr>
+          </a:p>
+        </p:txBody>
+      </p:sp>
+      <p:sp>
+        <p:nvSpPr>
+          <p:cNvPr id="5" name="角丸四角形 4"/>
+          <p:cNvSpPr/>
+          <p:nvPr/>
+        </p:nvSpPr>
+        <p:spPr>
+          <a:xfrm>
+            <a:off x="3234645" y="1071686"/>
+            <a:ext cx="442462" cy="472427"/>
+          </a:xfrm>
+          <a:prstGeom prst="roundRect">
+            <a:avLst>
+              <a:gd name="adj" fmla="val 25940"/>
+            </a:avLst>
+          </a:prstGeom>
+          <a:solidFill>
+            <a:srgbClr val="FF0000"/>
+          </a:solidFill>
+          <a:ln>
+            <a:solidFill>
+              <a:schemeClr val="tx1"/>
+            </a:solidFill>
+          </a:ln>
+          <a:scene3d>
+            <a:camera prst="orthographicFront"/>
+            <a:lightRig rig="threePt" dir="t"/>
+          </a:scene3d>
+          <a:sp3d>
+            <a:bevelT w="165100" prst="coolSlant"/>
+          </a:sp3d>
+        </p:spPr>
+        <p:style>
+          <a:lnRef idx="2">
+            <a:schemeClr val="accent1">
+              <a:shade val="50000"/>
+            </a:schemeClr>
+          </a:lnRef>
+          <a:fillRef idx="1">
+            <a:schemeClr val="accent1"/>
+          </a:fillRef>
+          <a:effectRef idx="0">
+            <a:schemeClr val="accent1"/>
+          </a:effectRef>
+          <a:fontRef idx="minor">
+            <a:schemeClr val="lt1"/>
+          </a:fontRef>
+        </p:style>
+        <p:txBody>
+          <a:bodyPr rtlCol="0" anchor="ctr"/>
+          <a:lstStyle/>
+          <a:p>
+            <a:pPr algn="ctr"/>
+            <a:endParaRPr kumimoji="1" lang="ja-JP" altLang="en-US"/>
+          </a:p>
+        </p:txBody>
+      </p:sp>
+      <p:sp>
+        <p:nvSpPr>
+          <p:cNvPr id="8" name="角丸四角形 7"/>
+          <p:cNvSpPr/>
+          <p:nvPr/>
+        </p:nvSpPr>
+        <p:spPr>
+          <a:xfrm>
+            <a:off x="2764426" y="1745091"/>
+            <a:ext cx="1368152" cy="2105972"/>
+          </a:xfrm>
+          <a:prstGeom prst="roundRect">
+            <a:avLst/>
+          </a:prstGeom>
+          <a:solidFill>
+            <a:schemeClr val="tx1"/>
+          </a:solidFill>
+          <a:ln>
+            <a:solidFill>
+              <a:schemeClr val="tx1"/>
+            </a:solidFill>
+          </a:ln>
+        </p:spPr>
+        <p:style>
+          <a:lnRef idx="2">
+            <a:schemeClr val="accent1">
+              <a:shade val="50000"/>
+            </a:schemeClr>
+          </a:lnRef>
+          <a:fillRef idx="1">
+            <a:schemeClr val="accent1"/>
+          </a:fillRef>
+          <a:effectRef idx="0">
+            <a:schemeClr val="accent1"/>
+          </a:effectRef>
+          <a:fontRef idx="minor">
+            <a:schemeClr val="lt1"/>
+          </a:fontRef>
+        </p:style>
+        <p:txBody>
+          <a:bodyPr rtlCol="0" anchor="ctr"/>
+          <a:lstStyle/>
+          <a:p>
+            <a:pPr algn="ctr"/>
+            <a:endParaRPr kumimoji="1" lang="ja-JP" altLang="en-US"/>
+          </a:p>
+        </p:txBody>
+      </p:sp>
+      <p:sp>
+        <p:nvSpPr>
+          <p:cNvPr id="9" name="角丸四角形 8"/>
+          <p:cNvSpPr/>
+          <p:nvPr/>
+        </p:nvSpPr>
+        <p:spPr>
+          <a:xfrm>
+            <a:off x="2923190" y="1956054"/>
+            <a:ext cx="1065371" cy="1390953"/>
+          </a:xfrm>
+          <a:prstGeom prst="roundRect">
+            <a:avLst/>
+          </a:prstGeom>
+        </p:spPr>
+        <p:style>
+          <a:lnRef idx="2">
+            <a:schemeClr val="accent1">
+              <a:shade val="50000"/>
+            </a:schemeClr>
+          </a:lnRef>
+          <a:fillRef idx="1">
+            <a:schemeClr val="accent1"/>
+          </a:fillRef>
+          <a:effectRef idx="0">
+            <a:schemeClr val="accent1"/>
+          </a:effectRef>
+          <a:fontRef idx="minor">
+            <a:schemeClr val="lt1"/>
+          </a:fontRef>
+        </p:style>
+        <p:txBody>
+          <a:bodyPr rtlCol="0" anchor="ctr"/>
+          <a:lstStyle/>
+          <a:p>
+            <a:pPr algn="ctr"/>
+            <a:endParaRPr kumimoji="1" lang="ja-JP" altLang="en-US"/>
+          </a:p>
+        </p:txBody>
+      </p:sp>
+      <p:sp>
+        <p:nvSpPr>
+          <p:cNvPr id="10" name="角丸四角形 9"/>
+          <p:cNvSpPr/>
+          <p:nvPr/>
+        </p:nvSpPr>
+        <p:spPr>
+          <a:xfrm>
+            <a:off x="3304486" y="3514516"/>
+            <a:ext cx="288032" cy="143370"/>
+          </a:xfrm>
+          <a:prstGeom prst="roundRect">
+            <a:avLst/>
+          </a:prstGeom>
+          <a:solidFill>
+            <a:schemeClr val="tx1"/>
+          </a:solidFill>
+          <a:ln>
+            <a:solidFill>
+              <a:schemeClr val="bg1">
+                <a:lumMod val="85000"/>
+              </a:schemeClr>
+            </a:solidFill>
+          </a:ln>
+        </p:spPr>
+        <p:style>
+          <a:lnRef idx="2">
+            <a:schemeClr val="accent1">
+              <a:shade val="50000"/>
+            </a:schemeClr>
+          </a:lnRef>
+          <a:fillRef idx="1">
+            <a:schemeClr val="accent1"/>
+          </a:fillRef>
+          <a:effectRef idx="0">
+            <a:schemeClr val="accent1"/>
+          </a:effectRef>
+          <a:fontRef idx="minor">
+            <a:schemeClr val="lt1"/>
+          </a:fontRef>
+        </p:style>
+        <p:txBody>
+          <a:bodyPr rtlCol="0" anchor="ctr"/>
+          <a:lstStyle/>
+          <a:p>
+            <a:pPr algn="ctr"/>
+            <a:endParaRPr kumimoji="1" lang="ja-JP" altLang="en-US"/>
+          </a:p>
+        </p:txBody>
+      </p:sp>
+      <p:cxnSp>
+        <p:nvCxnSpPr>
+          <p:cNvPr id="15" name="直線コネクタ 14"/>
+          <p:cNvCxnSpPr/>
+          <p:nvPr/>
+        </p:nvCxnSpPr>
+        <p:spPr>
+          <a:xfrm flipH="1">
+            <a:off x="2483769" y="1762699"/>
+            <a:ext cx="148207" cy="193355"/>
+          </a:xfrm>
+          <a:prstGeom prst="line">
+            <a:avLst/>
+          </a:prstGeom>
+          <a:ln w="57150">
+            <a:solidFill>
+              <a:srgbClr val="FF0000"/>
+            </a:solidFill>
+          </a:ln>
+        </p:spPr>
+        <p:style>
+          <a:lnRef idx="1">
+            <a:schemeClr val="accent1"/>
+          </a:lnRef>
+          <a:fillRef idx="0">
+            <a:schemeClr val="accent1"/>
+          </a:fillRef>
+          <a:effectRef idx="0">
+            <a:schemeClr val="accent1"/>
+          </a:effectRef>
+          <a:fontRef idx="minor">
+            <a:schemeClr val="tx1"/>
+          </a:fontRef>
+        </p:style>
+      </p:cxnSp>
+      <p:cxnSp>
+        <p:nvCxnSpPr>
+          <p:cNvPr id="16" name="直線コネクタ 15"/>
+          <p:cNvCxnSpPr/>
+          <p:nvPr/>
+        </p:nvCxnSpPr>
+        <p:spPr>
+          <a:xfrm flipH="1" flipV="1">
+            <a:off x="2483768" y="1956054"/>
+            <a:ext cx="148208" cy="176802"/>
+          </a:xfrm>
+          <a:prstGeom prst="line">
+            <a:avLst/>
+          </a:prstGeom>
+          <a:ln w="57150">
+            <a:solidFill>
+              <a:srgbClr val="FF0000"/>
+            </a:solidFill>
+          </a:ln>
+        </p:spPr>
+        <p:style>
+          <a:lnRef idx="1">
+            <a:schemeClr val="accent1"/>
+          </a:lnRef>
+          <a:fillRef idx="0">
+            <a:schemeClr val="accent1"/>
+          </a:fillRef>
+          <a:effectRef idx="0">
+            <a:schemeClr val="accent1"/>
+          </a:effectRef>
+          <a:fontRef idx="minor">
+            <a:schemeClr val="tx1"/>
+          </a:fontRef>
+        </p:style>
+      </p:cxnSp>
+      <p:cxnSp>
+        <p:nvCxnSpPr>
+          <p:cNvPr id="24" name="直線コネクタ 23"/>
+          <p:cNvCxnSpPr/>
+          <p:nvPr/>
+        </p:nvCxnSpPr>
+        <p:spPr>
+          <a:xfrm flipH="1">
+            <a:off x="2483769" y="2122739"/>
+            <a:ext cx="148207" cy="193355"/>
+          </a:xfrm>
+          <a:prstGeom prst="line">
+            <a:avLst/>
+          </a:prstGeom>
+          <a:ln w="57150">
+            <a:solidFill>
+              <a:srgbClr val="FF0000"/>
+            </a:solidFill>
+          </a:ln>
+        </p:spPr>
+        <p:style>
+          <a:lnRef idx="1">
+            <a:schemeClr val="accent1"/>
+          </a:lnRef>
+          <a:fillRef idx="0">
+            <a:schemeClr val="accent1"/>
+          </a:fillRef>
+          <a:effectRef idx="0">
+            <a:schemeClr val="accent1"/>
+          </a:effectRef>
+          <a:fontRef idx="minor">
+            <a:schemeClr val="tx1"/>
+          </a:fontRef>
+        </p:style>
+      </p:cxnSp>
+      <p:cxnSp>
+        <p:nvCxnSpPr>
+          <p:cNvPr id="25" name="直線コネクタ 24"/>
+          <p:cNvCxnSpPr/>
+          <p:nvPr/>
+        </p:nvCxnSpPr>
+        <p:spPr>
+          <a:xfrm flipH="1" flipV="1">
+            <a:off x="2483768" y="2316094"/>
+            <a:ext cx="148208" cy="176802"/>
+          </a:xfrm>
+          <a:prstGeom prst="line">
+            <a:avLst/>
+          </a:prstGeom>
+          <a:ln w="57150">
+            <a:solidFill>
+              <a:srgbClr val="FF0000"/>
+            </a:solidFill>
+          </a:ln>
+        </p:spPr>
+        <p:style>
+          <a:lnRef idx="1">
+            <a:schemeClr val="accent1"/>
+          </a:lnRef>
+          <a:fillRef idx="0">
+            <a:schemeClr val="accent1"/>
+          </a:fillRef>
+          <a:effectRef idx="0">
+            <a:schemeClr val="accent1"/>
+          </a:effectRef>
+          <a:fontRef idx="minor">
+            <a:schemeClr val="tx1"/>
+          </a:fontRef>
+        </p:style>
+      </p:cxnSp>
+      <p:cxnSp>
+        <p:nvCxnSpPr>
+          <p:cNvPr id="26" name="直線コネクタ 25"/>
+          <p:cNvCxnSpPr/>
+          <p:nvPr/>
+        </p:nvCxnSpPr>
+        <p:spPr>
+          <a:xfrm flipH="1">
+            <a:off x="2483769" y="2420888"/>
+            <a:ext cx="148207" cy="193355"/>
+          </a:xfrm>
+          <a:prstGeom prst="line">
+            <a:avLst/>
+          </a:prstGeom>
+          <a:ln w="57150">
+            <a:solidFill>
+              <a:srgbClr val="FF0000"/>
+            </a:solidFill>
+          </a:ln>
+        </p:spPr>
+        <p:style>
+          <a:lnRef idx="1">
+            <a:schemeClr val="accent1"/>
+          </a:lnRef>
+          <a:fillRef idx="0">
+            <a:schemeClr val="accent1"/>
+          </a:fillRef>
+          <a:effectRef idx="0">
+            <a:schemeClr val="accent1"/>
+          </a:effectRef>
+          <a:fontRef idx="minor">
+            <a:schemeClr val="tx1"/>
+          </a:fontRef>
+        </p:style>
+      </p:cxnSp>
+      <p:cxnSp>
+        <p:nvCxnSpPr>
+          <p:cNvPr id="27" name="直線コネクタ 26"/>
+          <p:cNvCxnSpPr/>
+          <p:nvPr/>
+        </p:nvCxnSpPr>
+        <p:spPr>
+          <a:xfrm flipH="1" flipV="1">
+            <a:off x="2483768" y="2614243"/>
+            <a:ext cx="148208" cy="176802"/>
+          </a:xfrm>
+          <a:prstGeom prst="line">
+            <a:avLst/>
+          </a:prstGeom>
+          <a:ln w="57150">
+            <a:solidFill>
+              <a:srgbClr val="FF0000"/>
+            </a:solidFill>
+          </a:ln>
+        </p:spPr>
+        <p:style>
+          <a:lnRef idx="1">
+            <a:schemeClr val="accent1"/>
+          </a:lnRef>
+          <a:fillRef idx="0">
+            <a:schemeClr val="accent1"/>
+          </a:fillRef>
+          <a:effectRef idx="0">
+            <a:schemeClr val="accent1"/>
+          </a:effectRef>
+          <a:fontRef idx="minor">
+            <a:schemeClr val="tx1"/>
+          </a:fontRef>
+        </p:style>
+      </p:cxnSp>
+      <p:cxnSp>
+        <p:nvCxnSpPr>
+          <p:cNvPr id="28" name="直線コネクタ 27"/>
+          <p:cNvCxnSpPr/>
+          <p:nvPr/>
+        </p:nvCxnSpPr>
+        <p:spPr>
+          <a:xfrm flipH="1">
+            <a:off x="2479577" y="2770811"/>
+            <a:ext cx="148207" cy="193355"/>
+          </a:xfrm>
+          <a:prstGeom prst="line">
+            <a:avLst/>
+          </a:prstGeom>
+          <a:ln w="57150">
+            <a:solidFill>
+              <a:srgbClr val="FF0000"/>
+            </a:solidFill>
+          </a:ln>
+        </p:spPr>
+        <p:style>
+          <a:lnRef idx="1">
+            <a:schemeClr val="accent1"/>
+          </a:lnRef>
+          <a:fillRef idx="0">
+            <a:schemeClr val="accent1"/>
+          </a:fillRef>
+          <a:effectRef idx="0">
+            <a:schemeClr val="accent1"/>
+          </a:effectRef>
+          <a:fontRef idx="minor">
+            <a:schemeClr val="tx1"/>
+          </a:fontRef>
+        </p:style>
+      </p:cxnSp>
+      <p:cxnSp>
+        <p:nvCxnSpPr>
+          <p:cNvPr id="29" name="直線コネクタ 28"/>
+          <p:cNvCxnSpPr/>
+          <p:nvPr/>
+        </p:nvCxnSpPr>
+        <p:spPr>
+          <a:xfrm flipH="1" flipV="1">
+            <a:off x="2479576" y="2964166"/>
+            <a:ext cx="148208" cy="176802"/>
+          </a:xfrm>
+          <a:prstGeom prst="line">
+            <a:avLst/>
+          </a:prstGeom>
+          <a:ln w="57150">
+            <a:solidFill>
+              <a:srgbClr val="FF0000"/>
+            </a:solidFill>
+          </a:ln>
+        </p:spPr>
+        <p:style>
+          <a:lnRef idx="1">
+            <a:schemeClr val="accent1"/>
+          </a:lnRef>
+          <a:fillRef idx="0">
+            <a:schemeClr val="accent1"/>
+          </a:fillRef>
+          <a:effectRef idx="0">
+            <a:schemeClr val="accent1"/>
+          </a:effectRef>
+          <a:fontRef idx="minor">
+            <a:schemeClr val="tx1"/>
+          </a:fontRef>
+        </p:style>
+      </p:cxnSp>
+      <p:cxnSp>
+        <p:nvCxnSpPr>
+          <p:cNvPr id="30" name="直線コネクタ 29"/>
+          <p:cNvCxnSpPr/>
+          <p:nvPr/>
+        </p:nvCxnSpPr>
+        <p:spPr>
+          <a:xfrm flipH="1">
+            <a:off x="2483769" y="3058843"/>
+            <a:ext cx="148207" cy="193355"/>
+          </a:xfrm>
+          <a:prstGeom prst="line">
+            <a:avLst/>
+          </a:prstGeom>
+          <a:ln w="57150">
+            <a:solidFill>
+              <a:srgbClr val="FF0000"/>
+            </a:solidFill>
+          </a:ln>
+        </p:spPr>
+        <p:style>
+          <a:lnRef idx="1">
+            <a:schemeClr val="accent1"/>
+          </a:lnRef>
+          <a:fillRef idx="0">
+            <a:schemeClr val="accent1"/>
+          </a:fillRef>
+          <a:effectRef idx="0">
+            <a:schemeClr val="accent1"/>
+          </a:effectRef>
+          <a:fontRef idx="minor">
+            <a:schemeClr val="tx1"/>
+          </a:fontRef>
+        </p:style>
+      </p:cxnSp>
+      <p:cxnSp>
+        <p:nvCxnSpPr>
+          <p:cNvPr id="31" name="直線コネクタ 30"/>
+          <p:cNvCxnSpPr/>
+          <p:nvPr/>
+        </p:nvCxnSpPr>
+        <p:spPr>
+          <a:xfrm flipH="1" flipV="1">
+            <a:off x="2483768" y="3252198"/>
+            <a:ext cx="148208" cy="176802"/>
+          </a:xfrm>
+          <a:prstGeom prst="line">
+            <a:avLst/>
+          </a:prstGeom>
+          <a:ln w="57150">
+            <a:solidFill>
+              <a:srgbClr val="FF0000"/>
+            </a:solidFill>
+          </a:ln>
+        </p:spPr>
+        <p:style>
+          <a:lnRef idx="1">
+            <a:schemeClr val="accent1"/>
+          </a:lnRef>
+          <a:fillRef idx="0">
+            <a:schemeClr val="accent1"/>
+          </a:fillRef>
+          <a:effectRef idx="0">
+            <a:schemeClr val="accent1"/>
+          </a:effectRef>
+          <a:fontRef idx="minor">
+            <a:schemeClr val="tx1"/>
+          </a:fontRef>
+        </p:style>
+      </p:cxnSp>
+      <p:cxnSp>
+        <p:nvCxnSpPr>
+          <p:cNvPr id="32" name="直線コネクタ 31"/>
+          <p:cNvCxnSpPr/>
+          <p:nvPr/>
+        </p:nvCxnSpPr>
+        <p:spPr>
+          <a:xfrm flipH="1">
+            <a:off x="2483769" y="3346875"/>
+            <a:ext cx="148207" cy="193355"/>
+          </a:xfrm>
+          <a:prstGeom prst="line">
+            <a:avLst/>
+          </a:prstGeom>
+          <a:ln w="57150">
+            <a:solidFill>
+              <a:srgbClr val="FF0000"/>
+            </a:solidFill>
+          </a:ln>
+        </p:spPr>
+        <p:style>
+          <a:lnRef idx="1">
+            <a:schemeClr val="accent1"/>
+          </a:lnRef>
+          <a:fillRef idx="0">
+            <a:schemeClr val="accent1"/>
+          </a:fillRef>
+          <a:effectRef idx="0">
+            <a:schemeClr val="accent1"/>
+          </a:effectRef>
+          <a:fontRef idx="minor">
+            <a:schemeClr val="tx1"/>
+          </a:fontRef>
+        </p:style>
+      </p:cxnSp>
+      <p:cxnSp>
+        <p:nvCxnSpPr>
+          <p:cNvPr id="33" name="直線コネクタ 32"/>
+          <p:cNvCxnSpPr/>
+          <p:nvPr/>
+        </p:nvCxnSpPr>
+        <p:spPr>
+          <a:xfrm flipH="1" flipV="1">
+            <a:off x="2483768" y="3540230"/>
+            <a:ext cx="148208" cy="176802"/>
+          </a:xfrm>
+          <a:prstGeom prst="line">
+            <a:avLst/>
+          </a:prstGeom>
+          <a:ln w="57150">
+            <a:solidFill>
+              <a:srgbClr val="FF0000"/>
+            </a:solidFill>
+          </a:ln>
+        </p:spPr>
+        <p:style>
+          <a:lnRef idx="1">
+            <a:schemeClr val="accent1"/>
+          </a:lnRef>
+          <a:fillRef idx="0">
+            <a:schemeClr val="accent1"/>
+          </a:fillRef>
+          <a:effectRef idx="0">
+            <a:schemeClr val="accent1"/>
+          </a:effectRef>
+          <a:fontRef idx="minor">
+            <a:schemeClr val="tx1"/>
+          </a:fontRef>
+        </p:style>
+      </p:cxnSp>
+      <p:cxnSp>
+        <p:nvCxnSpPr>
+          <p:cNvPr id="34" name="直線コネクタ 33"/>
+          <p:cNvCxnSpPr/>
+          <p:nvPr/>
+        </p:nvCxnSpPr>
+        <p:spPr>
+          <a:xfrm flipH="1">
+            <a:off x="4216153" y="1772816"/>
+            <a:ext cx="148207" cy="193355"/>
+          </a:xfrm>
+          <a:prstGeom prst="line">
+            <a:avLst/>
+          </a:prstGeom>
+          <a:ln w="57150">
+            <a:solidFill>
+              <a:srgbClr val="FF0000"/>
+            </a:solidFill>
+          </a:ln>
+        </p:spPr>
+        <p:style>
+          <a:lnRef idx="1">
+            <a:schemeClr val="accent1"/>
+          </a:lnRef>
+          <a:fillRef idx="0">
+            <a:schemeClr val="accent1"/>
+          </a:fillRef>
+          <a:effectRef idx="0">
+            <a:schemeClr val="accent1"/>
+          </a:effectRef>
+          <a:fontRef idx="minor">
+            <a:schemeClr val="tx1"/>
+          </a:fontRef>
+        </p:style>
+      </p:cxnSp>
+      <p:cxnSp>
+        <p:nvCxnSpPr>
+          <p:cNvPr id="35" name="直線コネクタ 34"/>
+          <p:cNvCxnSpPr/>
+          <p:nvPr/>
+        </p:nvCxnSpPr>
+        <p:spPr>
+          <a:xfrm flipH="1" flipV="1">
+            <a:off x="4216152" y="1966171"/>
+            <a:ext cx="148208" cy="176802"/>
+          </a:xfrm>
+          <a:prstGeom prst="line">
+            <a:avLst/>
+          </a:prstGeom>
+          <a:ln w="57150">
+            <a:solidFill>
+              <a:srgbClr val="FF0000"/>
+            </a:solidFill>
+          </a:ln>
+        </p:spPr>
+        <p:style>
+          <a:lnRef idx="1">
+            <a:schemeClr val="accent1"/>
+          </a:lnRef>
+          <a:fillRef idx="0">
+            <a:schemeClr val="accent1"/>
+          </a:fillRef>
+          <a:effectRef idx="0">
+            <a:schemeClr val="accent1"/>
+          </a:effectRef>
+          <a:fontRef idx="minor">
+            <a:schemeClr val="tx1"/>
+          </a:fontRef>
+        </p:style>
+      </p:cxnSp>
+      <p:cxnSp>
+        <p:nvCxnSpPr>
+          <p:cNvPr id="36" name="直線コネクタ 35"/>
+          <p:cNvCxnSpPr/>
+          <p:nvPr/>
+        </p:nvCxnSpPr>
+        <p:spPr>
+          <a:xfrm flipH="1">
+            <a:off x="4216153" y="2132856"/>
+            <a:ext cx="148207" cy="193355"/>
+          </a:xfrm>
+          <a:prstGeom prst="line">
+            <a:avLst/>
+          </a:prstGeom>
+          <a:ln w="57150">
+            <a:solidFill>
+              <a:srgbClr val="FF0000"/>
+            </a:solidFill>
+          </a:ln>
+        </p:spPr>
+        <p:style>
+          <a:lnRef idx="1">
+            <a:schemeClr val="accent1"/>
+          </a:lnRef>
+          <a:fillRef idx="0">
+            <a:schemeClr val="accent1"/>
+          </a:fillRef>
+          <a:effectRef idx="0">
+            <a:schemeClr val="accent1"/>
+          </a:effectRef>
+          <a:fontRef idx="minor">
+            <a:schemeClr val="tx1"/>
+          </a:fontRef>
+        </p:style>
+      </p:cxnSp>
+      <p:cxnSp>
+        <p:nvCxnSpPr>
+          <p:cNvPr id="37" name="直線コネクタ 36"/>
+          <p:cNvCxnSpPr/>
+          <p:nvPr/>
+        </p:nvCxnSpPr>
+        <p:spPr>
+          <a:xfrm flipH="1" flipV="1">
+            <a:off x="4216152" y="2326211"/>
+            <a:ext cx="148208" cy="176802"/>
+          </a:xfrm>
+          <a:prstGeom prst="line">
+            <a:avLst/>
+          </a:prstGeom>
+          <a:ln w="57150">
+            <a:solidFill>
+              <a:srgbClr val="FF0000"/>
+            </a:solidFill>
+          </a:ln>
+        </p:spPr>
+        <p:style>
+          <a:lnRef idx="1">
+            <a:schemeClr val="accent1"/>
+          </a:lnRef>
+          <a:fillRef idx="0">
+            <a:schemeClr val="accent1"/>
+          </a:fillRef>
+          <a:effectRef idx="0">
+            <a:schemeClr val="accent1"/>
+          </a:effectRef>
+          <a:fontRef idx="minor">
+            <a:schemeClr val="tx1"/>
+          </a:fontRef>
+        </p:style>
+      </p:cxnSp>
+      <p:cxnSp>
+        <p:nvCxnSpPr>
+          <p:cNvPr id="38" name="直線コネクタ 37"/>
+          <p:cNvCxnSpPr/>
+          <p:nvPr/>
+        </p:nvCxnSpPr>
+        <p:spPr>
+          <a:xfrm flipH="1">
+            <a:off x="4216153" y="2431005"/>
+            <a:ext cx="148207" cy="193355"/>
+          </a:xfrm>
+          <a:prstGeom prst="line">
+            <a:avLst/>
+          </a:prstGeom>
+          <a:ln w="57150">
+            <a:solidFill>
+              <a:srgbClr val="FF0000"/>
+            </a:solidFill>
+          </a:ln>
+        </p:spPr>
+        <p:style>
+          <a:lnRef idx="1">
+            <a:schemeClr val="accent1"/>
+          </a:lnRef>
+          <a:fillRef idx="0">
+            <a:schemeClr val="accent1"/>
+          </a:fillRef>
+          <a:effectRef idx="0">
+            <a:schemeClr val="accent1"/>
+          </a:effectRef>
+          <a:fontRef idx="minor">
+            <a:schemeClr val="tx1"/>
+          </a:fontRef>
+        </p:style>
+      </p:cxnSp>
+      <p:cxnSp>
+        <p:nvCxnSpPr>
+          <p:cNvPr id="39" name="直線コネクタ 38"/>
+          <p:cNvCxnSpPr/>
+          <p:nvPr/>
+        </p:nvCxnSpPr>
+        <p:spPr>
+          <a:xfrm flipH="1" flipV="1">
+            <a:off x="4216152" y="2624360"/>
+            <a:ext cx="148208" cy="176802"/>
+          </a:xfrm>
+          <a:prstGeom prst="line">
+            <a:avLst/>
+          </a:prstGeom>
+          <a:ln w="57150">
+            <a:solidFill>
+              <a:srgbClr val="FF0000"/>
+            </a:solidFill>
+          </a:ln>
+        </p:spPr>
+        <p:style>
+          <a:lnRef idx="1">
+            <a:schemeClr val="accent1"/>
+          </a:lnRef>
+          <a:fillRef idx="0">
+            <a:schemeClr val="accent1"/>
+          </a:fillRef>
+          <a:effectRef idx="0">
+            <a:schemeClr val="accent1"/>
+          </a:effectRef>
+          <a:fontRef idx="minor">
+            <a:schemeClr val="tx1"/>
+          </a:fontRef>
+        </p:style>
+      </p:cxnSp>
+      <p:cxnSp>
+        <p:nvCxnSpPr>
+          <p:cNvPr id="40" name="直線コネクタ 39"/>
+          <p:cNvCxnSpPr/>
+          <p:nvPr/>
+        </p:nvCxnSpPr>
+        <p:spPr>
+          <a:xfrm flipH="1">
+            <a:off x="4211961" y="2780928"/>
+            <a:ext cx="148207" cy="193355"/>
+          </a:xfrm>
+          <a:prstGeom prst="line">
+            <a:avLst/>
+          </a:prstGeom>
+          <a:ln w="57150">
+            <a:solidFill>
+              <a:srgbClr val="FF0000"/>
+            </a:solidFill>
+          </a:ln>
+        </p:spPr>
+        <p:style>
+          <a:lnRef idx="1">
+            <a:schemeClr val="accent1"/>
+          </a:lnRef>
+          <a:fillRef idx="0">
+            <a:schemeClr val="accent1"/>
+          </a:fillRef>
+          <a:effectRef idx="0">
+            <a:schemeClr val="accent1"/>
+          </a:effectRef>
+          <a:fontRef idx="minor">
+            <a:schemeClr val="tx1"/>
+          </a:fontRef>
+        </p:style>
+      </p:cxnSp>
+      <p:cxnSp>
+        <p:nvCxnSpPr>
+          <p:cNvPr id="41" name="直線コネクタ 40"/>
+          <p:cNvCxnSpPr/>
+          <p:nvPr/>
+        </p:nvCxnSpPr>
+        <p:spPr>
+          <a:xfrm flipH="1" flipV="1">
+            <a:off x="4211960" y="2974283"/>
+            <a:ext cx="148208" cy="176802"/>
+          </a:xfrm>
+          <a:prstGeom prst="line">
+            <a:avLst/>
+          </a:prstGeom>
+          <a:ln w="57150">
+            <a:solidFill>
+              <a:srgbClr val="FF0000"/>
+            </a:solidFill>
+          </a:ln>
+        </p:spPr>
+        <p:style>
+          <a:lnRef idx="1">
+            <a:schemeClr val="accent1"/>
+          </a:lnRef>
+          <a:fillRef idx="0">
+            <a:schemeClr val="accent1"/>
+          </a:fillRef>
+          <a:effectRef idx="0">
+            <a:schemeClr val="accent1"/>
+          </a:effectRef>
+          <a:fontRef idx="minor">
+            <a:schemeClr val="tx1"/>
+          </a:fontRef>
+        </p:style>
+      </p:cxnSp>
+      <p:cxnSp>
+        <p:nvCxnSpPr>
+          <p:cNvPr id="42" name="直線コネクタ 41"/>
+          <p:cNvCxnSpPr/>
+          <p:nvPr/>
+        </p:nvCxnSpPr>
+        <p:spPr>
+          <a:xfrm flipH="1">
+            <a:off x="4216153" y="3068960"/>
+            <a:ext cx="148207" cy="193355"/>
+          </a:xfrm>
+          <a:prstGeom prst="line">
+            <a:avLst/>
+          </a:prstGeom>
+          <a:ln w="57150">
+            <a:solidFill>
+              <a:srgbClr val="FF0000"/>
+            </a:solidFill>
+          </a:ln>
+        </p:spPr>
+        <p:style>
+          <a:lnRef idx="1">
+            <a:schemeClr val="accent1"/>
+          </a:lnRef>
+          <a:fillRef idx="0">
+            <a:schemeClr val="accent1"/>
+          </a:fillRef>
+          <a:effectRef idx="0">
+            <a:schemeClr val="accent1"/>
+          </a:effectRef>
+          <a:fontRef idx="minor">
+            <a:schemeClr val="tx1"/>
+          </a:fontRef>
+        </p:style>
+      </p:cxnSp>
+      <p:cxnSp>
+        <p:nvCxnSpPr>
+          <p:cNvPr id="43" name="直線コネクタ 42"/>
+          <p:cNvCxnSpPr/>
+          <p:nvPr/>
+        </p:nvCxnSpPr>
+        <p:spPr>
+          <a:xfrm flipH="1" flipV="1">
+            <a:off x="4216152" y="3262315"/>
+            <a:ext cx="148208" cy="176802"/>
+          </a:xfrm>
+          <a:prstGeom prst="line">
+            <a:avLst/>
+          </a:prstGeom>
+          <a:ln w="57150">
+            <a:solidFill>
+              <a:srgbClr val="FF0000"/>
+            </a:solidFill>
+          </a:ln>
+        </p:spPr>
+        <p:style>
+          <a:lnRef idx="1">
+            <a:schemeClr val="accent1"/>
+          </a:lnRef>
+          <a:fillRef idx="0">
+            <a:schemeClr val="accent1"/>
+          </a:fillRef>
+          <a:effectRef idx="0">
+            <a:schemeClr val="accent1"/>
+          </a:effectRef>
+          <a:fontRef idx="minor">
+            <a:schemeClr val="tx1"/>
+          </a:fontRef>
+        </p:style>
+      </p:cxnSp>
+      <p:cxnSp>
+        <p:nvCxnSpPr>
+          <p:cNvPr id="44" name="直線コネクタ 43"/>
+          <p:cNvCxnSpPr/>
+          <p:nvPr/>
+        </p:nvCxnSpPr>
+        <p:spPr>
+          <a:xfrm flipH="1">
+            <a:off x="4216153" y="3356992"/>
+            <a:ext cx="148207" cy="193355"/>
+          </a:xfrm>
+          <a:prstGeom prst="line">
+            <a:avLst/>
+          </a:prstGeom>
+          <a:ln w="57150">
+            <a:solidFill>
+              <a:srgbClr val="FF0000"/>
+            </a:solidFill>
+          </a:ln>
+        </p:spPr>
+        <p:style>
+          <a:lnRef idx="1">
+            <a:schemeClr val="accent1"/>
+          </a:lnRef>
+          <a:fillRef idx="0">
+            <a:schemeClr val="accent1"/>
+          </a:fillRef>
+          <a:effectRef idx="0">
+            <a:schemeClr val="accent1"/>
+          </a:effectRef>
+          <a:fontRef idx="minor">
+            <a:schemeClr val="tx1"/>
+          </a:fontRef>
+        </p:style>
+      </p:cxnSp>
+      <p:cxnSp>
+        <p:nvCxnSpPr>
+          <p:cNvPr id="45" name="直線コネクタ 44"/>
+          <p:cNvCxnSpPr/>
+          <p:nvPr/>
+        </p:nvCxnSpPr>
+        <p:spPr>
+          <a:xfrm flipH="1" flipV="1">
+            <a:off x="4216152" y="3550347"/>
+            <a:ext cx="148208" cy="176802"/>
+          </a:xfrm>
+          <a:prstGeom prst="line">
+            <a:avLst/>
+          </a:prstGeom>
+          <a:ln w="57150">
+            <a:solidFill>
+              <a:srgbClr val="FF0000"/>
+            </a:solidFill>
+          </a:ln>
+        </p:spPr>
+        <p:style>
+          <a:lnRef idx="1">
+            <a:schemeClr val="accent1"/>
+          </a:lnRef>
+          <a:fillRef idx="0">
+            <a:schemeClr val="accent1"/>
+          </a:fillRef>
+          <a:effectRef idx="0">
+            <a:schemeClr val="accent1"/>
+          </a:effectRef>
+          <a:fontRef idx="minor">
+            <a:schemeClr val="tx1"/>
+          </a:fontRef>
+        </p:style>
+      </p:cxnSp>
+      <p:cxnSp>
+        <p:nvCxnSpPr>
+          <p:cNvPr id="46" name="直線コネクタ 45"/>
+          <p:cNvCxnSpPr/>
+          <p:nvPr/>
+        </p:nvCxnSpPr>
+        <p:spPr>
+          <a:xfrm>
+            <a:off x="2843808" y="1956054"/>
+            <a:ext cx="1288770" cy="1895009"/>
+          </a:xfrm>
+          <a:prstGeom prst="line">
+            <a:avLst/>
+          </a:prstGeom>
+          <a:ln w="57150">
+            <a:solidFill>
+              <a:srgbClr val="FF0000"/>
+            </a:solidFill>
+          </a:ln>
+        </p:spPr>
+        <p:style>
+          <a:lnRef idx="1">
+            <a:schemeClr val="accent1"/>
+          </a:lnRef>
+          <a:fillRef idx="0">
+            <a:schemeClr val="accent1"/>
+          </a:fillRef>
+          <a:effectRef idx="0">
+            <a:schemeClr val="accent1"/>
+          </a:effectRef>
+          <a:fontRef idx="minor">
+            <a:schemeClr val="tx1"/>
+          </a:fontRef>
+        </p:style>
+      </p:cxnSp>
+      <p:cxnSp>
+        <p:nvCxnSpPr>
+          <p:cNvPr id="47" name="直線コネクタ 46"/>
+          <p:cNvCxnSpPr/>
+          <p:nvPr/>
+        </p:nvCxnSpPr>
+        <p:spPr>
+          <a:xfrm flipH="1">
+            <a:off x="2754662" y="1859376"/>
+            <a:ext cx="1233899" cy="2019412"/>
+          </a:xfrm>
+          <a:prstGeom prst="line">
+            <a:avLst/>
+          </a:prstGeom>
+          <a:ln w="57150">
+            <a:solidFill>
+              <a:srgbClr val="FF0000"/>
+            </a:solidFill>
+          </a:ln>
+        </p:spPr>
+        <p:style>
+          <a:lnRef idx="1">
+            <a:schemeClr val="accent1"/>
+          </a:lnRef>
+          <a:fillRef idx="0">
+            <a:schemeClr val="accent1"/>
+          </a:fillRef>
+          <a:effectRef idx="0">
+            <a:schemeClr val="accent1"/>
+          </a:effectRef>
+          <a:fontRef idx="minor">
+            <a:schemeClr val="tx1"/>
+          </a:fontRef>
+        </p:style>
+      </p:cxnSp>
+      <p:sp>
+        <p:nvSpPr>
+          <p:cNvPr id="48" name="テキスト ボックス 47"/>
+          <p:cNvSpPr txBox="1"/>
+          <p:nvPr/>
+        </p:nvSpPr>
+        <p:spPr>
+          <a:xfrm>
+            <a:off x="3082945" y="1973432"/>
+            <a:ext cx="750526" cy="1569660"/>
+          </a:xfrm>
+          <a:prstGeom prst="rect">
+            <a:avLst/>
+          </a:prstGeom>
+          <a:noFill/>
+        </p:spPr>
+        <p:txBody>
+          <a:bodyPr wrap="none" rtlCol="0">
+            <a:spAutoFit/>
+          </a:bodyPr>
+          <a:lstStyle/>
+          <a:p>
+            <a:r>
+              <a:rPr lang="en-US" altLang="ja-JP" sz="9600" dirty="0">
+                <a:solidFill>
+                  <a:srgbClr val="FF0000"/>
+                </a:solidFill>
+              </a:rPr>
+              <a:t>S</a:t>
+            </a:r>
+            <a:endParaRPr lang="ja-JP" altLang="en-US" sz="9600" dirty="0">
+              <a:solidFill>
+                <a:srgbClr val="FF0000"/>
+              </a:solidFill>
+            </a:endParaRPr>
+          </a:p>
+        </p:txBody>
+      </p:sp>
+    </p:spTree>
+    <p:extLst>
+      <p:ext uri="{BB962C8B-B14F-4D97-AF65-F5344CB8AC3E}">
+        <p14:creationId xmlns:p14="http://schemas.microsoft.com/office/powerpoint/2010/main" val="4239951283"/>
+      </p:ext>
+    </p:extLst>
+  </p:cSld>
+  <p:clrMapOvr>
+    <a:masterClrMapping/>
+  </p:clrMapOvr>
+</p:sld>
+</file>
+
+<file path=ppt/slides/slide5.xml><?xml version="1.0" encoding="utf-8"?>
+<p:sld xmlns:a="http://schemas.openxmlformats.org/drawingml/2006/main" xmlns:r="http://schemas.openxmlformats.org/officeDocument/2006/relationships" xmlns:p="http://schemas.openxmlformats.org/presentationml/2006/main">
+  <p:cSld>
+    <p:spTree>
+      <p:nvGrpSpPr>
+        <p:cNvPr id="1" name=""/>
+        <p:cNvGrpSpPr/>
+        <p:nvPr/>
+      </p:nvGrpSpPr>
+      <p:grpSpPr>
+        <a:xfrm>
+          <a:off x="0" y="0"/>
+          <a:ext cx="0" cy="0"/>
+          <a:chOff x="0" y="0"/>
+          <a:chExt cx="0" cy="0"/>
+        </a:xfrm>
+      </p:grpSpPr>
+      <p:sp>
+        <p:nvSpPr>
+          <p:cNvPr id="7" name="ドーナツ 6"/>
+          <p:cNvSpPr/>
+          <p:nvPr/>
+        </p:nvSpPr>
+        <p:spPr>
+          <a:xfrm>
+            <a:off x="3041830" y="518370"/>
+            <a:ext cx="828092" cy="923425"/>
+          </a:xfrm>
+          <a:prstGeom prst="donut">
+            <a:avLst>
+              <a:gd name="adj" fmla="val 12542"/>
+            </a:avLst>
+          </a:prstGeom>
+          <a:solidFill>
+            <a:schemeClr val="bg1">
+              <a:lumMod val="65000"/>
+            </a:schemeClr>
+          </a:solidFill>
+          <a:ln>
+            <a:solidFill>
+              <a:schemeClr val="tx1"/>
+            </a:solidFill>
+          </a:ln>
+          <a:scene3d>
+            <a:camera prst="orthographicFront"/>
+            <a:lightRig rig="threePt" dir="t"/>
+          </a:scene3d>
+          <a:sp3d>
+            <a:bevelT w="165100" prst="coolSlant"/>
+          </a:sp3d>
+        </p:spPr>
+        <p:style>
+          <a:lnRef idx="2">
+            <a:schemeClr val="accent1">
+              <a:shade val="50000"/>
+            </a:schemeClr>
+          </a:lnRef>
+          <a:fillRef idx="1">
+            <a:schemeClr val="accent1"/>
+          </a:fillRef>
+          <a:effectRef idx="0">
+            <a:schemeClr val="accent1"/>
+          </a:effectRef>
+          <a:fontRef idx="minor">
+            <a:schemeClr val="lt1"/>
+          </a:fontRef>
+        </p:style>
+        <p:txBody>
+          <a:bodyPr rtlCol="0" anchor="ctr"/>
+          <a:lstStyle/>
+          <a:p>
+            <a:pPr algn="ctr"/>
+            <a:endParaRPr kumimoji="1" lang="ja-JP" altLang="en-US">
+              <a:solidFill>
+                <a:schemeClr val="tx1"/>
+              </a:solidFill>
+            </a:endParaRPr>
+          </a:p>
+        </p:txBody>
+      </p:sp>
+      <p:sp>
+        <p:nvSpPr>
+          <p:cNvPr id="5" name="角丸四角形 4"/>
+          <p:cNvSpPr/>
+          <p:nvPr/>
+        </p:nvSpPr>
+        <p:spPr>
+          <a:xfrm>
+            <a:off x="3234645" y="1071686"/>
+            <a:ext cx="442462" cy="472427"/>
+          </a:xfrm>
+          <a:prstGeom prst="roundRect">
+            <a:avLst>
+              <a:gd name="adj" fmla="val 25940"/>
+            </a:avLst>
+          </a:prstGeom>
+          <a:solidFill>
+            <a:srgbClr val="FF0000"/>
+          </a:solidFill>
+          <a:ln>
+            <a:solidFill>
+              <a:schemeClr val="tx1"/>
+            </a:solidFill>
+          </a:ln>
+          <a:scene3d>
+            <a:camera prst="orthographicFront"/>
+            <a:lightRig rig="threePt" dir="t"/>
+          </a:scene3d>
+          <a:sp3d>
+            <a:bevelT w="165100" prst="coolSlant"/>
+          </a:sp3d>
+        </p:spPr>
+        <p:style>
+          <a:lnRef idx="2">
+            <a:schemeClr val="accent1">
+              <a:shade val="50000"/>
+            </a:schemeClr>
+          </a:lnRef>
+          <a:fillRef idx="1">
+            <a:schemeClr val="accent1"/>
+          </a:fillRef>
+          <a:effectRef idx="0">
+            <a:schemeClr val="accent1"/>
+          </a:effectRef>
+          <a:fontRef idx="minor">
+            <a:schemeClr val="lt1"/>
+          </a:fontRef>
+        </p:style>
+        <p:txBody>
+          <a:bodyPr rtlCol="0" anchor="ctr"/>
+          <a:lstStyle/>
+          <a:p>
+            <a:pPr algn="ctr"/>
+            <a:endParaRPr kumimoji="1" lang="ja-JP" altLang="en-US"/>
+          </a:p>
+        </p:txBody>
+      </p:sp>
+      <p:sp>
+        <p:nvSpPr>
+          <p:cNvPr id="8" name="角丸四角形 7"/>
+          <p:cNvSpPr/>
+          <p:nvPr/>
+        </p:nvSpPr>
+        <p:spPr>
+          <a:xfrm>
+            <a:off x="2764426" y="1745091"/>
+            <a:ext cx="1368152" cy="2105972"/>
+          </a:xfrm>
+          <a:prstGeom prst="roundRect">
+            <a:avLst/>
+          </a:prstGeom>
+          <a:solidFill>
+            <a:schemeClr val="tx1"/>
+          </a:solidFill>
+          <a:ln>
+            <a:solidFill>
+              <a:schemeClr val="tx1"/>
+            </a:solidFill>
+          </a:ln>
+        </p:spPr>
+        <p:style>
+          <a:lnRef idx="2">
+            <a:schemeClr val="accent1">
+              <a:shade val="50000"/>
+            </a:schemeClr>
+          </a:lnRef>
+          <a:fillRef idx="1">
+            <a:schemeClr val="accent1"/>
+          </a:fillRef>
+          <a:effectRef idx="0">
+            <a:schemeClr val="accent1"/>
+          </a:effectRef>
+          <a:fontRef idx="minor">
+            <a:schemeClr val="lt1"/>
+          </a:fontRef>
+        </p:style>
+        <p:txBody>
+          <a:bodyPr rtlCol="0" anchor="ctr"/>
+          <a:lstStyle/>
+          <a:p>
+            <a:pPr algn="ctr"/>
+            <a:endParaRPr kumimoji="1" lang="ja-JP" altLang="en-US"/>
+          </a:p>
+        </p:txBody>
+      </p:sp>
+      <p:sp>
+        <p:nvSpPr>
+          <p:cNvPr id="9" name="角丸四角形 8"/>
+          <p:cNvSpPr/>
+          <p:nvPr/>
+        </p:nvSpPr>
+        <p:spPr>
+          <a:xfrm>
+            <a:off x="2923190" y="1956054"/>
+            <a:ext cx="1065371" cy="1390953"/>
+          </a:xfrm>
+          <a:prstGeom prst="roundRect">
+            <a:avLst/>
+          </a:prstGeom>
+        </p:spPr>
+        <p:style>
+          <a:lnRef idx="2">
+            <a:schemeClr val="accent1">
+              <a:shade val="50000"/>
+            </a:schemeClr>
+          </a:lnRef>
+          <a:fillRef idx="1">
+            <a:schemeClr val="accent1"/>
+          </a:fillRef>
+          <a:effectRef idx="0">
+            <a:schemeClr val="accent1"/>
+          </a:effectRef>
+          <a:fontRef idx="minor">
+            <a:schemeClr val="lt1"/>
+          </a:fontRef>
+        </p:style>
+        <p:txBody>
+          <a:bodyPr rtlCol="0" anchor="ctr"/>
+          <a:lstStyle/>
+          <a:p>
+            <a:pPr algn="ctr"/>
+            <a:endParaRPr kumimoji="1" lang="ja-JP" altLang="en-US"/>
+          </a:p>
+        </p:txBody>
+      </p:sp>
+      <p:sp>
+        <p:nvSpPr>
+          <p:cNvPr id="10" name="角丸四角形 9"/>
+          <p:cNvSpPr/>
+          <p:nvPr/>
+        </p:nvSpPr>
+        <p:spPr>
+          <a:xfrm>
+            <a:off x="3304486" y="3514516"/>
+            <a:ext cx="288032" cy="143370"/>
+          </a:xfrm>
+          <a:prstGeom prst="roundRect">
+            <a:avLst/>
+          </a:prstGeom>
+          <a:solidFill>
+            <a:schemeClr val="tx1"/>
+          </a:solidFill>
+          <a:ln>
+            <a:solidFill>
+              <a:schemeClr val="bg1">
+                <a:lumMod val="85000"/>
+              </a:schemeClr>
+            </a:solidFill>
+          </a:ln>
+        </p:spPr>
+        <p:style>
+          <a:lnRef idx="2">
+            <a:schemeClr val="accent1">
+              <a:shade val="50000"/>
+            </a:schemeClr>
+          </a:lnRef>
+          <a:fillRef idx="1">
+            <a:schemeClr val="accent1"/>
+          </a:fillRef>
+          <a:effectRef idx="0">
+            <a:schemeClr val="accent1"/>
+          </a:effectRef>
+          <a:fontRef idx="minor">
+            <a:schemeClr val="lt1"/>
+          </a:fontRef>
+        </p:style>
+        <p:txBody>
+          <a:bodyPr rtlCol="0" anchor="ctr"/>
+          <a:lstStyle/>
+          <a:p>
+            <a:pPr algn="ctr"/>
+            <a:endParaRPr kumimoji="1" lang="ja-JP" altLang="en-US"/>
+          </a:p>
+        </p:txBody>
+      </p:sp>
+      <p:cxnSp>
+        <p:nvCxnSpPr>
+          <p:cNvPr id="3" name="直線コネクタ 2"/>
+          <p:cNvCxnSpPr/>
+          <p:nvPr/>
+        </p:nvCxnSpPr>
+        <p:spPr>
+          <a:xfrm>
+            <a:off x="2627784" y="1745091"/>
+            <a:ext cx="1657194" cy="2258372"/>
+          </a:xfrm>
+          <a:prstGeom prst="line">
+            <a:avLst/>
+          </a:prstGeom>
+          <a:ln w="57150">
+            <a:solidFill>
+              <a:srgbClr val="FF0000"/>
+            </a:solidFill>
+          </a:ln>
+        </p:spPr>
+        <p:style>
+          <a:lnRef idx="1">
+            <a:schemeClr val="accent1"/>
+          </a:lnRef>
+          <a:fillRef idx="0">
+            <a:schemeClr val="accent1"/>
+          </a:fillRef>
+          <a:effectRef idx="0">
+            <a:schemeClr val="accent1"/>
+          </a:effectRef>
+          <a:fontRef idx="minor">
+            <a:schemeClr val="tx1"/>
+          </a:fontRef>
+        </p:style>
+      </p:cxnSp>
+      <p:cxnSp>
+        <p:nvCxnSpPr>
+          <p:cNvPr id="46" name="直線コネクタ 45"/>
+          <p:cNvCxnSpPr/>
+          <p:nvPr/>
+        </p:nvCxnSpPr>
+        <p:spPr>
+          <a:xfrm flipH="1">
+            <a:off x="2627784" y="1745091"/>
+            <a:ext cx="1657194" cy="2258372"/>
+          </a:xfrm>
+          <a:prstGeom prst="line">
+            <a:avLst/>
+          </a:prstGeom>
+          <a:ln w="57150">
+            <a:solidFill>
+              <a:srgbClr val="FF0000"/>
+            </a:solidFill>
+          </a:ln>
+        </p:spPr>
+        <p:style>
+          <a:lnRef idx="1">
+            <a:schemeClr val="accent1"/>
+          </a:lnRef>
+          <a:fillRef idx="0">
+            <a:schemeClr val="accent1"/>
+          </a:fillRef>
+          <a:effectRef idx="0">
+            <a:schemeClr val="accent1"/>
+          </a:effectRef>
+          <a:fontRef idx="minor">
+            <a:schemeClr val="tx1"/>
+          </a:fontRef>
+        </p:style>
+      </p:cxnSp>
+      <p:sp>
+        <p:nvSpPr>
+          <p:cNvPr id="47" name="テキスト ボックス 46"/>
+          <p:cNvSpPr txBox="1"/>
+          <p:nvPr/>
+        </p:nvSpPr>
+        <p:spPr>
+          <a:xfrm>
+            <a:off x="3082945" y="1973432"/>
+            <a:ext cx="750526" cy="1569660"/>
+          </a:xfrm>
+          <a:prstGeom prst="rect">
+            <a:avLst/>
+          </a:prstGeom>
+          <a:noFill/>
+        </p:spPr>
+        <p:txBody>
+          <a:bodyPr wrap="none" rtlCol="0">
+            <a:spAutoFit/>
+          </a:bodyPr>
+          <a:lstStyle/>
+          <a:p>
+            <a:r>
+              <a:rPr lang="en-US" altLang="ja-JP" sz="9600" dirty="0">
+                <a:solidFill>
+                  <a:srgbClr val="FF0000"/>
+                </a:solidFill>
+              </a:rPr>
+              <a:t>S</a:t>
+            </a:r>
+            <a:endParaRPr lang="ja-JP" altLang="en-US" sz="9600" dirty="0">
+              <a:solidFill>
+                <a:srgbClr val="FF0000"/>
+              </a:solidFill>
+            </a:endParaRPr>
+          </a:p>
+        </p:txBody>
+      </p:sp>
+    </p:spTree>
+    <p:extLst>
+      <p:ext uri="{BB962C8B-B14F-4D97-AF65-F5344CB8AC3E}">
+        <p14:creationId xmlns:p14="http://schemas.microsoft.com/office/powerpoint/2010/main" val="859650553"/>
+      </p:ext>
+    </p:extLst>
+  </p:cSld>
+  <p:clrMapOvr>
+    <a:masterClrMapping/>
+  </p:clrMapOvr>
+</p:sld>
+</file>
+
+<file path=ppt/slides/slide6.xml><?xml version="1.0" encoding="utf-8"?>
+<p:sld xmlns:a="http://schemas.openxmlformats.org/drawingml/2006/main" xmlns:r="http://schemas.openxmlformats.org/officeDocument/2006/relationships" xmlns:p="http://schemas.openxmlformats.org/presentationml/2006/main">
+  <p:cSld>
+    <p:spTree>
+      <p:nvGrpSpPr>
+        <p:cNvPr id="1" name=""/>
+        <p:cNvGrpSpPr/>
+        <p:nvPr/>
+      </p:nvGrpSpPr>
+      <p:grpSpPr>
+        <a:xfrm>
+          <a:off x="0" y="0"/>
+          <a:ext cx="0" cy="0"/>
+          <a:chOff x="0" y="0"/>
+          <a:chExt cx="0" cy="0"/>
+        </a:xfrm>
+      </p:grpSpPr>
+      <p:sp>
+        <p:nvSpPr>
+          <p:cNvPr id="7" name="ドーナツ 6"/>
+          <p:cNvSpPr/>
+          <p:nvPr/>
+        </p:nvSpPr>
+        <p:spPr>
+          <a:xfrm>
+            <a:off x="3041830" y="518370"/>
+            <a:ext cx="828092" cy="923425"/>
+          </a:xfrm>
+          <a:prstGeom prst="donut">
+            <a:avLst>
+              <a:gd name="adj" fmla="val 12542"/>
+            </a:avLst>
+          </a:prstGeom>
+          <a:solidFill>
+            <a:schemeClr val="bg1">
+              <a:lumMod val="65000"/>
+            </a:schemeClr>
+          </a:solidFill>
+          <a:ln>
+            <a:solidFill>
+              <a:schemeClr val="tx1"/>
+            </a:solidFill>
+          </a:ln>
+          <a:scene3d>
+            <a:camera prst="orthographicFront"/>
+            <a:lightRig rig="threePt" dir="t"/>
+          </a:scene3d>
+          <a:sp3d>
+            <a:bevelT w="165100" prst="coolSlant"/>
+          </a:sp3d>
+        </p:spPr>
+        <p:style>
+          <a:lnRef idx="2">
+            <a:schemeClr val="accent1">
+              <a:shade val="50000"/>
+            </a:schemeClr>
+          </a:lnRef>
+          <a:fillRef idx="1">
+            <a:schemeClr val="accent1"/>
+          </a:fillRef>
+          <a:effectRef idx="0">
+            <a:schemeClr val="accent1"/>
+          </a:effectRef>
+          <a:fontRef idx="minor">
+            <a:schemeClr val="lt1"/>
+          </a:fontRef>
+        </p:style>
+        <p:txBody>
+          <a:bodyPr rtlCol="0" anchor="ctr"/>
+          <a:lstStyle/>
+          <a:p>
+            <a:pPr algn="ctr"/>
+            <a:endParaRPr kumimoji="1" lang="ja-JP" altLang="en-US">
+              <a:solidFill>
+                <a:schemeClr val="tx1"/>
+              </a:solidFill>
+            </a:endParaRPr>
+          </a:p>
+        </p:txBody>
+      </p:sp>
+      <p:sp>
+        <p:nvSpPr>
+          <p:cNvPr id="5" name="角丸四角形 4"/>
+          <p:cNvSpPr/>
+          <p:nvPr/>
+        </p:nvSpPr>
+        <p:spPr>
+          <a:xfrm>
+            <a:off x="3234645" y="1071686"/>
+            <a:ext cx="442462" cy="472427"/>
+          </a:xfrm>
+          <a:prstGeom prst="roundRect">
+            <a:avLst>
+              <a:gd name="adj" fmla="val 25940"/>
+            </a:avLst>
+          </a:prstGeom>
+          <a:solidFill>
+            <a:srgbClr val="FF0000"/>
+          </a:solidFill>
+          <a:ln>
+            <a:solidFill>
+              <a:schemeClr val="tx1"/>
+            </a:solidFill>
+          </a:ln>
+          <a:scene3d>
+            <a:camera prst="orthographicFront"/>
+            <a:lightRig rig="threePt" dir="t"/>
+          </a:scene3d>
+          <a:sp3d>
+            <a:bevelT w="165100" prst="coolSlant"/>
+          </a:sp3d>
+        </p:spPr>
+        <p:style>
+          <a:lnRef idx="2">
+            <a:schemeClr val="accent1">
+              <a:shade val="50000"/>
+            </a:schemeClr>
+          </a:lnRef>
+          <a:fillRef idx="1">
+            <a:schemeClr val="accent1"/>
+          </a:fillRef>
+          <a:effectRef idx="0">
+            <a:schemeClr val="accent1"/>
+          </a:effectRef>
+          <a:fontRef idx="minor">
+            <a:schemeClr val="lt1"/>
+          </a:fontRef>
+        </p:style>
+        <p:txBody>
+          <a:bodyPr rtlCol="0" anchor="ctr"/>
+          <a:lstStyle/>
+          <a:p>
+            <a:pPr algn="ctr"/>
+            <a:endParaRPr kumimoji="1" lang="ja-JP" altLang="en-US"/>
+          </a:p>
+        </p:txBody>
+      </p:sp>
+      <p:sp>
+        <p:nvSpPr>
+          <p:cNvPr id="8" name="角丸四角形 7"/>
+          <p:cNvSpPr/>
+          <p:nvPr/>
+        </p:nvSpPr>
+        <p:spPr>
+          <a:xfrm>
+            <a:off x="2764426" y="1745091"/>
+            <a:ext cx="1368152" cy="2105972"/>
+          </a:xfrm>
+          <a:prstGeom prst="roundRect">
+            <a:avLst/>
+          </a:prstGeom>
+          <a:solidFill>
+            <a:schemeClr val="tx1"/>
+          </a:solidFill>
+          <a:ln>
+            <a:solidFill>
+              <a:schemeClr val="tx1"/>
+            </a:solidFill>
+          </a:ln>
+        </p:spPr>
+        <p:style>
+          <a:lnRef idx="2">
+            <a:schemeClr val="accent1">
+              <a:shade val="50000"/>
+            </a:schemeClr>
+          </a:lnRef>
+          <a:fillRef idx="1">
+            <a:schemeClr val="accent1"/>
+          </a:fillRef>
+          <a:effectRef idx="0">
+            <a:schemeClr val="accent1"/>
+          </a:effectRef>
+          <a:fontRef idx="minor">
+            <a:schemeClr val="lt1"/>
+          </a:fontRef>
+        </p:style>
+        <p:txBody>
+          <a:bodyPr rtlCol="0" anchor="ctr"/>
+          <a:lstStyle/>
+          <a:p>
+            <a:pPr algn="ctr"/>
+            <a:endParaRPr kumimoji="1" lang="ja-JP" altLang="en-US"/>
+          </a:p>
+        </p:txBody>
+      </p:sp>
+      <p:sp>
+        <p:nvSpPr>
+          <p:cNvPr id="9" name="角丸四角形 8"/>
+          <p:cNvSpPr/>
+          <p:nvPr/>
+        </p:nvSpPr>
+        <p:spPr>
+          <a:xfrm>
+            <a:off x="2923190" y="1956054"/>
+            <a:ext cx="1065371" cy="1390953"/>
+          </a:xfrm>
+          <a:prstGeom prst="roundRect">
+            <a:avLst/>
+          </a:prstGeom>
+        </p:spPr>
+        <p:style>
+          <a:lnRef idx="2">
+            <a:schemeClr val="accent1">
+              <a:shade val="50000"/>
+            </a:schemeClr>
+          </a:lnRef>
+          <a:fillRef idx="1">
+            <a:schemeClr val="accent1"/>
+          </a:fillRef>
+          <a:effectRef idx="0">
+            <a:schemeClr val="accent1"/>
+          </a:effectRef>
+          <a:fontRef idx="minor">
+            <a:schemeClr val="lt1"/>
+          </a:fontRef>
+        </p:style>
+        <p:txBody>
+          <a:bodyPr rtlCol="0" anchor="ctr"/>
+          <a:lstStyle/>
+          <a:p>
+            <a:pPr algn="ctr"/>
+            <a:endParaRPr kumimoji="1" lang="ja-JP" altLang="en-US"/>
+          </a:p>
+        </p:txBody>
+      </p:sp>
+      <p:sp>
+        <p:nvSpPr>
+          <p:cNvPr id="10" name="角丸四角形 9"/>
+          <p:cNvSpPr/>
+          <p:nvPr/>
+        </p:nvSpPr>
+        <p:spPr>
+          <a:xfrm>
+            <a:off x="3304486" y="3514516"/>
+            <a:ext cx="288032" cy="143370"/>
+          </a:xfrm>
+          <a:prstGeom prst="roundRect">
+            <a:avLst/>
+          </a:prstGeom>
+          <a:solidFill>
+            <a:schemeClr val="tx1"/>
+          </a:solidFill>
+          <a:ln>
+            <a:solidFill>
+              <a:schemeClr val="bg1">
+                <a:lumMod val="85000"/>
+              </a:schemeClr>
+            </a:solidFill>
+          </a:ln>
+        </p:spPr>
+        <p:style>
+          <a:lnRef idx="2">
+            <a:schemeClr val="accent1">
+              <a:shade val="50000"/>
+            </a:schemeClr>
+          </a:lnRef>
+          <a:fillRef idx="1">
+            <a:schemeClr val="accent1"/>
+          </a:fillRef>
+          <a:effectRef idx="0">
+            <a:schemeClr val="accent1"/>
+          </a:effectRef>
+          <a:fontRef idx="minor">
+            <a:schemeClr val="lt1"/>
+          </a:fontRef>
+        </p:style>
+        <p:txBody>
+          <a:bodyPr rtlCol="0" anchor="ctr"/>
+          <a:lstStyle/>
+          <a:p>
+            <a:pPr algn="ctr"/>
+            <a:endParaRPr kumimoji="1" lang="ja-JP" altLang="en-US"/>
+          </a:p>
+        </p:txBody>
+      </p:sp>
+      <p:sp>
+        <p:nvSpPr>
+          <p:cNvPr id="2" name="テキスト ボックス 1"/>
+          <p:cNvSpPr txBox="1"/>
+          <p:nvPr/>
+        </p:nvSpPr>
+        <p:spPr>
+          <a:xfrm>
+            <a:off x="3082945" y="1973432"/>
+            <a:ext cx="750526" cy="1569660"/>
+          </a:xfrm>
+          <a:prstGeom prst="rect">
+            <a:avLst/>
+          </a:prstGeom>
+          <a:noFill/>
+        </p:spPr>
+        <p:txBody>
+          <a:bodyPr wrap="none" rtlCol="0">
+            <a:spAutoFit/>
+          </a:bodyPr>
+          <a:lstStyle/>
+          <a:p>
+            <a:r>
+              <a:rPr lang="en-US" altLang="ja-JP" sz="9600" dirty="0">
+                <a:solidFill>
+                  <a:srgbClr val="FF0000"/>
+                </a:solidFill>
+              </a:rPr>
+              <a:t>S</a:t>
+            </a:r>
+            <a:endParaRPr lang="ja-JP" altLang="en-US" sz="9600" dirty="0">
+              <a:solidFill>
+                <a:srgbClr val="FF0000"/>
+              </a:solidFill>
+            </a:endParaRPr>
+          </a:p>
+        </p:txBody>
+      </p:sp>
+    </p:spTree>
+    <p:extLst>
+      <p:ext uri="{BB962C8B-B14F-4D97-AF65-F5344CB8AC3E}">
+        <p14:creationId xmlns:p14="http://schemas.microsoft.com/office/powerpoint/2010/main" val="3699892530"/>
       </p:ext>
     </p:extLst>
   </p:cSld>
